--- a/assignments/Rashmi_jaiswal.pptx
+++ b/assignments/Rashmi_jaiswal.pptx
@@ -18,7 +18,7 @@
     <p:sldId id="266" r:id="rId12"/>
     <p:sldId id="267" r:id="rId13"/>
     <p:sldId id="268" r:id="rId14"/>
-    <p:sldId id="269" r:id="rId15"/>
+    <p:sldId id="271" r:id="rId15"/>
     <p:sldId id="270" r:id="rId16"/>
   </p:sldIdLst>
   <p:sldSz cx="12192000" cy="6858000"/>
@@ -118,6 +118,11 @@
       </a:defRPr>
     </a:lvl9pPr>
   </p:defaultTextStyle>
+  <p:extLst>
+    <p:ext uri="{EFAFB233-063F-42B5-8137-9DF3F51BA10A}">
+      <p15:sldGuideLst xmlns:p15="http://schemas.microsoft.com/office/powerpoint/2012/main"/>
+    </p:ext>
+  </p:extLst>
 </p:presentation>
 </file>
 
@@ -307,7 +312,7 @@
           <a:p>
             <a:fld id="{4AAD347D-5ACD-4C99-B74B-A9C85AD731AF}" type="datetimeFigureOut">
               <a:rPr lang="en-US" dirty="0"/>
-              <a:t>6/4/2018</a:t>
+              <a:t>6/5/2018</a:t>
             </a:fld>
             <a:endParaRPr lang="en-US" dirty="0"/>
           </a:p>
@@ -577,7 +582,7 @@
           <a:p>
             <a:fld id="{4509A250-FF31-4206-8172-F9D3106AACB1}" type="datetimeFigureOut">
               <a:rPr lang="en-US" dirty="0"/>
-              <a:t>6/4/2018</a:t>
+              <a:t>6/5/2018</a:t>
             </a:fld>
             <a:endParaRPr lang="en-US" dirty="0"/>
           </a:p>
@@ -766,7 +771,7 @@
           <a:p>
             <a:fld id="{4509A250-FF31-4206-8172-F9D3106AACB1}" type="datetimeFigureOut">
               <a:rPr lang="en-US" dirty="0"/>
-              <a:t>6/4/2018</a:t>
+              <a:t>6/5/2018</a:t>
             </a:fld>
             <a:endParaRPr lang="en-US" dirty="0"/>
           </a:p>
@@ -1034,7 +1039,7 @@
           <a:p>
             <a:fld id="{4509A250-FF31-4206-8172-F9D3106AACB1}" type="datetimeFigureOut">
               <a:rPr lang="en-US" dirty="0"/>
-              <a:t>6/4/2018</a:t>
+              <a:t>6/5/2018</a:t>
             </a:fld>
             <a:endParaRPr lang="en-US" dirty="0"/>
           </a:p>
@@ -1370,7 +1375,7 @@
           <a:p>
             <a:fld id="{4509A250-FF31-4206-8172-F9D3106AACB1}" type="datetimeFigureOut">
               <a:rPr lang="en-US" dirty="0"/>
-              <a:t>6/4/2018</a:t>
+              <a:t>6/5/2018</a:t>
             </a:fld>
             <a:endParaRPr lang="en-US" dirty="0"/>
           </a:p>
@@ -1988,7 +1993,7 @@
           <a:p>
             <a:fld id="{4509A250-FF31-4206-8172-F9D3106AACB1}" type="datetimeFigureOut">
               <a:rPr lang="en-US" dirty="0"/>
-              <a:t>6/4/2018</a:t>
+              <a:t>6/5/2018</a:t>
             </a:fld>
             <a:endParaRPr lang="en-US" dirty="0"/>
           </a:p>
@@ -2843,7 +2848,7 @@
           <a:p>
             <a:fld id="{4509A250-FF31-4206-8172-F9D3106AACB1}" type="datetimeFigureOut">
               <a:rPr lang="en-US" dirty="0"/>
-              <a:t>6/4/2018</a:t>
+              <a:t>6/5/2018</a:t>
             </a:fld>
             <a:endParaRPr lang="en-US" dirty="0"/>
           </a:p>
@@ -3008,7 +3013,7 @@
           <a:p>
             <a:fld id="{4509A250-FF31-4206-8172-F9D3106AACB1}" type="datetimeFigureOut">
               <a:rPr lang="en-US" dirty="0"/>
-              <a:t>6/4/2018</a:t>
+              <a:t>6/5/2018</a:t>
             </a:fld>
             <a:endParaRPr lang="en-US" dirty="0"/>
           </a:p>
@@ -3183,7 +3188,7 @@
           <a:p>
             <a:fld id="{4509A250-FF31-4206-8172-F9D3106AACB1}" type="datetimeFigureOut">
               <a:rPr lang="en-US" dirty="0"/>
-              <a:t>6/4/2018</a:t>
+              <a:t>6/5/2018</a:t>
             </a:fld>
             <a:endParaRPr lang="en-US" dirty="0"/>
           </a:p>
@@ -3348,7 +3353,7 @@
           <a:p>
             <a:fld id="{4509A250-FF31-4206-8172-F9D3106AACB1}" type="datetimeFigureOut">
               <a:rPr lang="en-US" dirty="0"/>
-              <a:t>6/4/2018</a:t>
+              <a:t>6/5/2018</a:t>
             </a:fld>
             <a:endParaRPr lang="en-US" dirty="0"/>
           </a:p>
@@ -3590,7 +3595,7 @@
           <a:p>
             <a:fld id="{9796027F-7875-4030-9381-8BD8C4F21935}" type="datetimeFigureOut">
               <a:rPr lang="en-US" dirty="0"/>
-              <a:t>6/4/2018</a:t>
+              <a:t>6/5/2018</a:t>
             </a:fld>
             <a:endParaRPr lang="en-US" dirty="0"/>
           </a:p>
@@ -3877,7 +3882,7 @@
           <a:p>
             <a:fld id="{9796027F-7875-4030-9381-8BD8C4F21935}" type="datetimeFigureOut">
               <a:rPr lang="en-US" dirty="0"/>
-              <a:t>6/4/2018</a:t>
+              <a:t>6/5/2018</a:t>
             </a:fld>
             <a:endParaRPr lang="en-US" dirty="0"/>
           </a:p>
@@ -4316,7 +4321,7 @@
           <a:p>
             <a:fld id="{9796027F-7875-4030-9381-8BD8C4F21935}" type="datetimeFigureOut">
               <a:rPr lang="en-US" dirty="0"/>
-              <a:t>6/4/2018</a:t>
+              <a:t>6/5/2018</a:t>
             </a:fld>
             <a:endParaRPr lang="en-US" dirty="0"/>
           </a:p>
@@ -4429,7 +4434,7 @@
           <a:p>
             <a:fld id="{4509A250-FF31-4206-8172-F9D3106AACB1}" type="datetimeFigureOut">
               <a:rPr lang="en-US" dirty="0"/>
-              <a:t>6/4/2018</a:t>
+              <a:t>6/5/2018</a:t>
             </a:fld>
             <a:endParaRPr lang="en-US" dirty="0"/>
           </a:p>
@@ -4519,7 +4524,7 @@
           <a:p>
             <a:fld id="{4509A250-FF31-4206-8172-F9D3106AACB1}" type="datetimeFigureOut">
               <a:rPr lang="en-US" dirty="0"/>
-              <a:t>6/4/2018</a:t>
+              <a:t>6/5/2018</a:t>
             </a:fld>
             <a:endParaRPr lang="en-US" dirty="0"/>
           </a:p>
@@ -4793,7 +4798,7 @@
           <a:p>
             <a:fld id="{4509A250-FF31-4206-8172-F9D3106AACB1}" type="datetimeFigureOut">
               <a:rPr lang="en-US" dirty="0"/>
-              <a:t>6/4/2018</a:t>
+              <a:t>6/5/2018</a:t>
             </a:fld>
             <a:endParaRPr lang="en-US" dirty="0"/>
           </a:p>
@@ -5063,7 +5068,7 @@
           <a:p>
             <a:fld id="{4509A250-FF31-4206-8172-F9D3106AACB1}" type="datetimeFigureOut">
               <a:rPr lang="en-US" dirty="0"/>
-              <a:t>6/4/2018</a:t>
+              <a:t>6/5/2018</a:t>
             </a:fld>
             <a:endParaRPr lang="en-US" dirty="0"/>
           </a:p>
@@ -5487,7 +5492,7 @@
           <a:p>
             <a:fld id="{4AAD347D-5ACD-4C99-B74B-A9C85AD731AF}" type="datetimeFigureOut">
               <a:rPr lang="en-US" dirty="0"/>
-              <a:t>6/4/2018</a:t>
+              <a:t>6/5/2018</a:t>
             </a:fld>
             <a:endParaRPr lang="en-US" dirty="0"/>
           </a:p>
@@ -6060,10 +6065,33 @@
           <a:lstStyle/>
           <a:p>
             <a:r>
+              <a:rPr lang="en-US" dirty="0" smtClean="0">
+                <a:solidFill>
+                  <a:schemeClr val="accent1">
+                    <a:lumMod val="40000"/>
+                    <a:lumOff val="60000"/>
+                  </a:schemeClr>
+                </a:solidFill>
+              </a:rPr>
+              <a:t>LET’S</a:t>
+            </a:r>
+            <a:r>
               <a:rPr lang="en-US" dirty="0" smtClean="0"/>
-              <a:t>LET’S BEGIN</a:t>
-            </a:r>
-            <a:endParaRPr lang="en-US" dirty="0"/>
+              <a:t> </a:t>
+            </a:r>
+            <a:r>
+              <a:rPr lang="en-US" dirty="0" smtClean="0">
+                <a:solidFill>
+                  <a:schemeClr val="tx1"/>
+                </a:solidFill>
+              </a:rPr>
+              <a:t>BEGIN</a:t>
+            </a:r>
+            <a:endParaRPr lang="en-US" dirty="0">
+              <a:solidFill>
+                <a:schemeClr val="tx1"/>
+              </a:solidFill>
+            </a:endParaRPr>
           </a:p>
         </p:txBody>
       </p:sp>
@@ -6129,139 +6157,189 @@
       </p:grpSpPr>
       <p:sp>
         <p:nvSpPr>
-          <p:cNvPr id="6" name="Title 1"/>
-          <p:cNvSpPr>
-            <a:spLocks noGrp="1"/>
-          </p:cNvSpPr>
-          <p:nvPr>
-            <p:ph idx="1"/>
+          <p:cNvPr id="12" name="Title 11"/>
+          <p:cNvSpPr>
+            <a:spLocks noGrp="1"/>
+          </p:cNvSpPr>
+          <p:nvPr>
+            <p:ph type="title"/>
           </p:nvPr>
         </p:nvSpPr>
         <p:spPr>
           <a:xfrm>
-            <a:off x="787400" y="825500"/>
-            <a:ext cx="9224963" cy="5829300"/>
+            <a:off x="914400" y="546100"/>
+            <a:ext cx="9136434" cy="1028700"/>
           </a:xfrm>
         </p:spPr>
         <p:txBody>
-          <a:bodyPr>
-            <a:normAutofit/>
+          <a:bodyPr/>
+          <a:lstStyle/>
+          <a:p>
+            <a:r>
+              <a:rPr lang="en-US" dirty="0" smtClean="0">
+                <a:solidFill>
+                  <a:schemeClr val="accent1">
+                    <a:lumMod val="40000"/>
+                    <a:lumOff val="60000"/>
+                  </a:schemeClr>
+                </a:solidFill>
+              </a:rPr>
+              <a:t>Import</a:t>
+            </a:r>
+            <a:r>
+              <a:rPr lang="en-US" dirty="0" smtClean="0"/>
+              <a:t> </a:t>
+            </a:r>
+            <a:r>
+              <a:rPr lang="en-US" dirty="0" smtClean="0">
+                <a:solidFill>
+                  <a:schemeClr val="accent1">
+                    <a:lumMod val="40000"/>
+                    <a:lumOff val="60000"/>
+                  </a:schemeClr>
+                </a:solidFill>
+              </a:rPr>
+              <a:t>following</a:t>
+            </a:r>
+            <a:r>
+              <a:rPr lang="en-US" dirty="0" smtClean="0"/>
+              <a:t>:</a:t>
+            </a:r>
+            <a:endParaRPr lang="en-US" dirty="0"/>
+          </a:p>
+        </p:txBody>
+      </p:sp>
+      <p:sp>
+        <p:nvSpPr>
+          <p:cNvPr id="6" name="Title 1"/>
+          <p:cNvSpPr>
+            <a:spLocks noGrp="1"/>
+          </p:cNvSpPr>
+          <p:nvPr>
+            <p:ph idx="1"/>
+          </p:nvPr>
+        </p:nvSpPr>
+        <p:spPr/>
+        <p:txBody>
+          <a:bodyPr/>
+          <a:lstStyle/>
+          <a:p>
+            <a:endParaRPr lang="en-US" dirty="0" smtClean="0"/>
+          </a:p>
+          <a:p>
+            <a:endParaRPr lang="en-US" dirty="0" smtClean="0"/>
+          </a:p>
+          <a:p>
+            <a:endParaRPr lang="en-US" dirty="0" smtClean="0"/>
+          </a:p>
+          <a:p>
+            <a:endParaRPr lang="en-US" dirty="0" smtClean="0"/>
+          </a:p>
+          <a:p>
+            <a:endParaRPr lang="en-US" dirty="0" smtClean="0"/>
+          </a:p>
+          <a:p>
+            <a:endParaRPr lang="en-US" dirty="0" smtClean="0"/>
+          </a:p>
+          <a:p>
+            <a:endParaRPr lang="en-US" dirty="0" smtClean="0"/>
+          </a:p>
+          <a:p>
+            <a:endParaRPr lang="en-US" dirty="0" smtClean="0"/>
+          </a:p>
+          <a:p>
+            <a:endParaRPr lang="en-US" dirty="0" smtClean="0"/>
+          </a:p>
+          <a:p>
+            <a:endParaRPr lang="en-US" dirty="0" smtClean="0"/>
+          </a:p>
+          <a:p>
+            <a:endParaRPr lang="en-US" dirty="0" smtClean="0"/>
+          </a:p>
+          <a:p>
+            <a:endParaRPr lang="en-US" dirty="0" smtClean="0"/>
+          </a:p>
+          <a:p>
+            <a:endParaRPr lang="en-US" dirty="0" smtClean="0"/>
+          </a:p>
+          <a:p>
+            <a:endParaRPr lang="en-US" dirty="0" smtClean="0"/>
+          </a:p>
+          <a:p>
+            <a:endParaRPr lang="en-US" dirty="0" smtClean="0"/>
+          </a:p>
+          <a:p>
+            <a:endParaRPr lang="en-US" dirty="0" smtClean="0"/>
+          </a:p>
+          <a:p>
+            <a:endParaRPr lang="en-US" dirty="0"/>
+          </a:p>
+        </p:txBody>
+      </p:sp>
+      <p:sp>
+        <p:nvSpPr>
+          <p:cNvPr id="13" name="Rectangle 12"/>
+          <p:cNvSpPr/>
+          <p:nvPr/>
+        </p:nvSpPr>
+        <p:spPr>
+          <a:xfrm>
+            <a:off x="1103312" y="2052918"/>
+            <a:ext cx="8724900" cy="2308324"/>
+          </a:xfrm>
+          <a:prstGeom prst="rect">
+            <a:avLst/>
+          </a:prstGeom>
+        </p:spPr>
+        <p:txBody>
+          <a:bodyPr wrap="square">
+            <a:spAutoFit/>
           </a:bodyPr>
           <a:lstStyle/>
           <a:p>
-            <a:pPr marL="0" indent="0">
-              <a:buNone/>
-            </a:pPr>
-            <a:endParaRPr lang="en-US" dirty="0" smtClean="0"/>
-          </a:p>
-          <a:p>
-            <a:pPr marL="0" indent="0">
-              <a:buNone/>
-            </a:pPr>
-            <a:r>
-              <a:rPr lang="en-US" dirty="0" smtClean="0"/>
-              <a:t>//@</a:t>
-            </a:r>
-            <a:r>
-              <a:rPr lang="en-US" dirty="0"/>
-              <a:t>InjectMocks annotation is used to create and inject the mock object</a:t>
-            </a:r>
-          </a:p>
-          <a:p>
-            <a:pPr marL="0" indent="0">
-              <a:buNone/>
-            </a:pPr>
-            <a:endParaRPr lang="en-US" dirty="0"/>
-          </a:p>
-          <a:p>
-            <a:pPr marL="0" indent="0">
-              <a:buNone/>
-            </a:pPr>
-            <a:r>
-              <a:rPr lang="en-US" dirty="0" smtClean="0"/>
-              <a:t>   </a:t>
-            </a:r>
-            <a:r>
-              <a:rPr lang="en-US" dirty="0"/>
-              <a:t>@InjectMocks </a:t>
-            </a:r>
-          </a:p>
-          <a:p>
-            <a:pPr marL="0" indent="0">
-              <a:buNone/>
-            </a:pPr>
-            <a:r>
-              <a:rPr lang="en-US" dirty="0"/>
-              <a:t>   MathApplication </a:t>
-            </a:r>
-            <a:r>
-              <a:rPr lang="en-US" dirty="0" err="1"/>
-              <a:t>mathApplication</a:t>
-            </a:r>
-            <a:r>
-              <a:rPr lang="en-US" dirty="0"/>
-              <a:t> = new MathApplication();</a:t>
-            </a:r>
-          </a:p>
-          <a:p>
-            <a:pPr marL="0" indent="0">
-              <a:buNone/>
-            </a:pPr>
-            <a:endParaRPr lang="en-US" dirty="0"/>
-          </a:p>
-          <a:p>
-            <a:pPr marL="0" indent="0">
-              <a:buNone/>
-            </a:pPr>
-            <a:r>
-              <a:rPr lang="en-US" dirty="0" smtClean="0"/>
-              <a:t>//@</a:t>
-            </a:r>
-            <a:r>
-              <a:rPr lang="en-US" dirty="0"/>
-              <a:t>Mock annotation is used to create the mock object to be injected</a:t>
-            </a:r>
-          </a:p>
-          <a:p>
-            <a:pPr marL="0" indent="0">
-              <a:buNone/>
-            </a:pPr>
-            <a:endParaRPr lang="en-US" dirty="0" smtClean="0"/>
-          </a:p>
-          <a:p>
-            <a:pPr marL="0" indent="0">
-              <a:buNone/>
-            </a:pPr>
-            <a:r>
-              <a:rPr lang="en-US" dirty="0"/>
-              <a:t> </a:t>
-            </a:r>
-            <a:r>
-              <a:rPr lang="en-US" dirty="0" smtClean="0"/>
-              <a:t>  @</a:t>
-            </a:r>
-            <a:r>
-              <a:rPr lang="en-US" dirty="0"/>
-              <a:t>Mock</a:t>
-            </a:r>
-          </a:p>
-          <a:p>
-            <a:pPr marL="0" indent="0">
-              <a:buNone/>
-            </a:pPr>
-            <a:r>
-              <a:rPr lang="en-US" dirty="0"/>
-              <a:t>   CalculatorService calcService;</a:t>
-            </a:r>
-          </a:p>
-          <a:p>
-            <a:pPr marL="0" indent="0">
-              <a:buNone/>
-            </a:pPr>
-            <a:endParaRPr lang="en-US" dirty="0"/>
-          </a:p>
-          <a:p>
-            <a:endParaRPr lang="en-US" dirty="0"/>
+            <a:r>
+              <a:rPr lang="en-US" dirty="0"/>
+              <a:t>import static org.junit.Assert.assertEquals;</a:t>
+            </a:r>
+          </a:p>
+          <a:p>
+            <a:r>
+              <a:rPr lang="en-US" dirty="0"/>
+              <a:t>import static org.mockito.Mockito.when;</a:t>
+            </a:r>
+          </a:p>
+          <a:p>
+            <a:endParaRPr lang="en-US" dirty="0"/>
+          </a:p>
+          <a:p>
+            <a:r>
+              <a:rPr lang="en-US" dirty="0"/>
+              <a:t>import org.junit.Test;</a:t>
+            </a:r>
+          </a:p>
+          <a:p>
+            <a:r>
+              <a:rPr lang="en-US" dirty="0"/>
+              <a:t>import org.junit.runner.RunWith;</a:t>
+            </a:r>
+          </a:p>
+          <a:p>
+            <a:r>
+              <a:rPr lang="en-US" dirty="0"/>
+              <a:t>import org.mockito.InjectMocks;</a:t>
+            </a:r>
+          </a:p>
+          <a:p>
+            <a:r>
+              <a:rPr lang="en-US" dirty="0"/>
+              <a:t>import org.mockito.Mock;</a:t>
+            </a:r>
+          </a:p>
+          <a:p>
+            <a:r>
+              <a:rPr lang="en-US" dirty="0"/>
+              <a:t>import org.mockito.junit.MockitoJUnitRunner;</a:t>
+            </a:r>
           </a:p>
         </p:txBody>
       </p:sp>
@@ -6307,122 +6385,220 @@
         </p:nvSpPr>
         <p:spPr>
           <a:xfrm>
-            <a:off x="736600" y="889000"/>
-            <a:ext cx="9313863" cy="5359400"/>
+            <a:off x="165100" y="393700"/>
+            <a:ext cx="11315700" cy="5880100"/>
           </a:xfrm>
         </p:spPr>
         <p:txBody>
-          <a:bodyPr/>
+          <a:bodyPr>
+            <a:normAutofit fontScale="92500" lnSpcReduction="20000"/>
+          </a:bodyPr>
           <a:lstStyle/>
           <a:p>
-            <a:endParaRPr lang="en-US" dirty="0"/>
-          </a:p>
-          <a:p>
-            <a:pPr marL="0" indent="0">
-              <a:buNone/>
-            </a:pPr>
-            <a:r>
-              <a:rPr lang="en-US" dirty="0"/>
-              <a:t>   @Test</a:t>
-            </a:r>
-          </a:p>
-          <a:p>
-            <a:pPr marL="0" indent="0">
-              <a:buNone/>
-            </a:pPr>
-            <a:r>
-              <a:rPr lang="en-US" dirty="0"/>
-              <a:t>   public void testAdd</a:t>
+            <a:pPr marL="0" indent="0">
+              <a:buNone/>
+            </a:pPr>
+            <a:r>
+              <a:rPr lang="en-US" dirty="0">
+                <a:solidFill>
+                  <a:schemeClr val="accent1">
+                    <a:lumMod val="40000"/>
+                    <a:lumOff val="60000"/>
+                  </a:schemeClr>
+                </a:solidFill>
+              </a:rPr>
+              <a:t>@RunWith</a:t>
+            </a:r>
+            <a:r>
+              <a:rPr lang="en-US" dirty="0"/>
+              <a:t>(</a:t>
+            </a:r>
+            <a:r>
+              <a:rPr lang="en-US" dirty="0" err="1"/>
+              <a:t>MockitoJUnitRunner.class</a:t>
+            </a:r>
+            <a:r>
+              <a:rPr lang="en-US" dirty="0"/>
+              <a:t>)</a:t>
+            </a:r>
+          </a:p>
+          <a:p>
+            <a:pPr marL="0" indent="0">
+              <a:buNone/>
+            </a:pPr>
+            <a:r>
+              <a:rPr lang="en-US" dirty="0"/>
+              <a:t>public class </a:t>
             </a:r>
             <a:r>
               <a:rPr lang="en-US" dirty="0" smtClean="0"/>
-              <a:t>()</a:t>
-            </a:r>
-          </a:p>
-          <a:p>
-            <a:pPr marL="0" indent="0">
-              <a:buNone/>
-            </a:pPr>
-            <a:r>
-              <a:rPr lang="en-US" dirty="0"/>
-              <a:t> </a:t>
-            </a:r>
-            <a:r>
-              <a:rPr lang="en-US" dirty="0" smtClean="0"/>
-              <a:t> {</a:t>
-            </a:r>
-            <a:endParaRPr lang="en-US" dirty="0"/>
-          </a:p>
-          <a:p>
-            <a:pPr marL="0" indent="0">
-              <a:buNone/>
-            </a:pPr>
-            <a:r>
-              <a:rPr lang="en-US" dirty="0"/>
-              <a:t>      //add the behavior of calc service to add two numbers</a:t>
-            </a:r>
-          </a:p>
-          <a:p>
-            <a:pPr marL="0" indent="0">
-              <a:buNone/>
-            </a:pPr>
-            <a:r>
-              <a:rPr lang="en-US" dirty="0"/>
-              <a:t>      when(calcService.add(10.0,20.0)).thenReturn(30.00);</a:t>
-            </a:r>
-          </a:p>
-          <a:p>
-            <a:pPr marL="0" indent="0">
-              <a:buNone/>
-            </a:pPr>
-            <a:r>
-              <a:rPr lang="en-US" dirty="0"/>
-              <a:t>		</a:t>
-            </a:r>
-          </a:p>
-          <a:p>
-            <a:pPr marL="0" indent="0">
-              <a:buNone/>
-            </a:pPr>
-            <a:r>
-              <a:rPr lang="en-US" dirty="0"/>
-              <a:t>      //test the add functionality</a:t>
-            </a:r>
-          </a:p>
-          <a:p>
-            <a:pPr marL="0" indent="0">
-              <a:buNone/>
-            </a:pPr>
-            <a:r>
-              <a:rPr lang="en-US" dirty="0"/>
-              <a:t>      Assert.assertEquals(</a:t>
+              <a:t>SomeBusinessMockAnnotationsTest </a:t>
+            </a:r>
+            <a:r>
+              <a:rPr lang="en-US" dirty="0"/>
+              <a:t>{</a:t>
+            </a:r>
+          </a:p>
+          <a:p>
+            <a:pPr marL="0" indent="0">
+              <a:buNone/>
+            </a:pPr>
+            <a:endParaRPr lang="en-US" dirty="0"/>
+          </a:p>
+          <a:p>
+            <a:pPr marL="0" indent="0">
+              <a:buNone/>
+            </a:pPr>
+            <a:r>
+              <a:rPr lang="en-US" dirty="0"/>
+              <a:t>	</a:t>
+            </a:r>
+            <a:r>
+              <a:rPr lang="en-US" dirty="0">
+                <a:solidFill>
+                  <a:schemeClr val="accent1">
+                    <a:lumMod val="40000"/>
+                    <a:lumOff val="60000"/>
+                  </a:schemeClr>
+                </a:solidFill>
+              </a:rPr>
+              <a:t>@Mock</a:t>
+            </a:r>
+          </a:p>
+          <a:p>
+            <a:pPr marL="0" indent="0">
+              <a:buNone/>
+            </a:pPr>
+            <a:r>
+              <a:rPr lang="en-US" dirty="0"/>
+              <a:t>	DataService dataServiceMock;</a:t>
+            </a:r>
+          </a:p>
+          <a:p>
+            <a:pPr marL="0" indent="0">
+              <a:buNone/>
+            </a:pPr>
+            <a:endParaRPr lang="en-US" dirty="0"/>
+          </a:p>
+          <a:p>
+            <a:pPr marL="0" indent="0">
+              <a:buNone/>
+            </a:pPr>
+            <a:r>
+              <a:rPr lang="en-US" dirty="0"/>
+              <a:t>	</a:t>
+            </a:r>
+            <a:r>
+              <a:rPr lang="en-US" dirty="0">
+                <a:solidFill>
+                  <a:schemeClr val="accent1">
+                    <a:lumMod val="40000"/>
+                    <a:lumOff val="60000"/>
+                  </a:schemeClr>
+                </a:solidFill>
+              </a:rPr>
+              <a:t>@InjectMocks</a:t>
+            </a:r>
+          </a:p>
+          <a:p>
+            <a:pPr marL="0" indent="0">
+              <a:buNone/>
+            </a:pPr>
+            <a:r>
+              <a:rPr lang="en-US" dirty="0"/>
+              <a:t>	SomeBusinessImpl businessImpl;</a:t>
+            </a:r>
+          </a:p>
+          <a:p>
+            <a:pPr marL="0" indent="0">
+              <a:buNone/>
+            </a:pPr>
+            <a:endParaRPr lang="en-US" dirty="0"/>
+          </a:p>
+          <a:p>
+            <a:pPr marL="0" indent="0">
+              <a:buNone/>
+            </a:pPr>
+            <a:r>
+              <a:rPr lang="en-US" dirty="0"/>
+              <a:t>	</a:t>
+            </a:r>
+            <a:r>
+              <a:rPr lang="en-US" dirty="0">
+                <a:solidFill>
+                  <a:schemeClr val="accent1">
+                    <a:lumMod val="40000"/>
+                    <a:lumOff val="60000"/>
+                  </a:schemeClr>
+                </a:solidFill>
+              </a:rPr>
+              <a:t>@Test</a:t>
+            </a:r>
+          </a:p>
+          <a:p>
+            <a:pPr marL="0" indent="0">
+              <a:buNone/>
+            </a:pPr>
+            <a:r>
+              <a:rPr lang="en-US" dirty="0"/>
+              <a:t>	public void testFindTheGreatestFromAllData() {</a:t>
+            </a:r>
+          </a:p>
+          <a:p>
+            <a:pPr marL="0" indent="0">
+              <a:buNone/>
+            </a:pPr>
+            <a:r>
+              <a:rPr lang="en-US" dirty="0"/>
+              <a:t>		when(</a:t>
             </a:r>
             <a:r>
               <a:rPr lang="en-US" dirty="0" err="1"/>
-              <a:t>mathApplication.add</a:t>
-            </a:r>
-            <a:r>
-              <a:rPr lang="en-US" dirty="0"/>
-              <a:t>(10.0, 20.0),30.0,0);</a:t>
-            </a:r>
-          </a:p>
-          <a:p>
-            <a:pPr marL="0" indent="0">
-              <a:buNone/>
-            </a:pPr>
-            <a:r>
-              <a:rPr lang="en-US" dirty="0"/>
-              <a:t>   }</a:t>
-            </a:r>
-          </a:p>
-          <a:p>
-            <a:pPr marL="0" indent="0">
-              <a:buNone/>
-            </a:pPr>
-            <a:r>
-              <a:rPr lang="en-US" dirty="0"/>
-              <a:t>}</a:t>
-            </a:r>
+              <a:t>dataServiceMock.retrieveAllData</a:t>
+            </a:r>
+            <a:r>
+              <a:rPr lang="en-US" dirty="0"/>
+              <a:t>()).thenReturn(new int[] { 24, 15, 3 });</a:t>
+            </a:r>
+          </a:p>
+          <a:p>
+            <a:pPr marL="0" indent="0">
+              <a:buNone/>
+            </a:pPr>
+            <a:r>
+              <a:rPr lang="en-US" dirty="0"/>
+              <a:t>		assertEquals(24, businessImpl.findTheGreatestFromAllData());</a:t>
+            </a:r>
+          </a:p>
+          <a:p>
+            <a:pPr marL="0" indent="0">
+              <a:buNone/>
+            </a:pPr>
+            <a:r>
+              <a:rPr lang="en-US" dirty="0"/>
+              <a:t>	}</a:t>
+            </a:r>
+          </a:p>
+          <a:p>
+            <a:pPr marL="0" indent="0">
+              <a:buNone/>
+            </a:pPr>
+            <a:endParaRPr lang="en-US" dirty="0"/>
+          </a:p>
+          <a:p>
+            <a:pPr marL="0" indent="0">
+              <a:buNone/>
+            </a:pPr>
+            <a:r>
+              <a:rPr lang="en-US" dirty="0"/>
+              <a:t>	</a:t>
+            </a:r>
+          </a:p>
+          <a:p>
+            <a:pPr marL="0" indent="0">
+              <a:buNone/>
+            </a:pPr>
+            <a:endParaRPr lang="en-US" dirty="0"/>
           </a:p>
           <a:p>
             <a:endParaRPr lang="en-US" dirty="0"/>
@@ -6461,28 +6637,29 @@
       </p:grpSpPr>
       <p:sp>
         <p:nvSpPr>
-          <p:cNvPr id="2" name="Title 1"/>
-          <p:cNvSpPr>
-            <a:spLocks noGrp="1"/>
-          </p:cNvSpPr>
-          <p:nvPr>
-            <p:ph type="title"/>
+          <p:cNvPr id="3" name="Content Placeholder 2"/>
+          <p:cNvSpPr>
+            <a:spLocks noGrp="1"/>
+          </p:cNvSpPr>
+          <p:nvPr>
+            <p:ph idx="1"/>
           </p:nvPr>
         </p:nvSpPr>
         <p:spPr>
           <a:xfrm>
-            <a:off x="787400" y="452718"/>
-            <a:ext cx="9263434" cy="1198282"/>
+            <a:off x="304800" y="749300"/>
+            <a:ext cx="11722100" cy="5499099"/>
           </a:xfrm>
         </p:spPr>
         <p:txBody>
-          <a:bodyPr/>
+          <a:bodyPr>
+            <a:normAutofit/>
+          </a:bodyPr>
           <a:lstStyle/>
           <a:p>
-            <a:r>
-              <a:rPr lang="en-US" b="1" dirty="0"/>
-              <a:t>Step 4 − Execute test cases</a:t>
-            </a:r>
+            <a:pPr marL="0" indent="0">
+              <a:buNone/>
+            </a:pPr>
             <a:r>
               <a:rPr lang="en-US" dirty="0"/>
               <a:t/>
@@ -6492,54 +6669,160 @@
             </a:br>
             <a:r>
               <a:rPr lang="en-US" dirty="0"/>
-              <a:t/>
-            </a:r>
-            <a:br>
-              <a:rPr lang="en-US" dirty="0"/>
-            </a:br>
-            <a:endParaRPr lang="en-US" dirty="0"/>
-          </a:p>
-        </p:txBody>
-      </p:sp>
-      <p:sp>
-        <p:nvSpPr>
-          <p:cNvPr id="3" name="Content Placeholder 2"/>
-          <p:cNvSpPr>
-            <a:spLocks noGrp="1"/>
-          </p:cNvSpPr>
-          <p:nvPr>
-            <p:ph idx="1"/>
-          </p:nvPr>
-        </p:nvSpPr>
-        <p:spPr>
-          <a:xfrm>
-            <a:off x="1041400" y="1892300"/>
-            <a:ext cx="9008453" cy="4356099"/>
-          </a:xfrm>
-        </p:spPr>
-        <p:txBody>
-          <a:bodyPr/>
-          <a:lstStyle/>
-          <a:p>
-            <a:r>
-              <a:rPr lang="en-US" dirty="0"/>
-              <a:t>Create a java class file named </a:t>
+              <a:t>	</a:t>
+            </a:r>
+            <a:r>
+              <a:rPr lang="en-US" dirty="0">
+                <a:solidFill>
+                  <a:schemeClr val="accent1">
+                    <a:lumMod val="40000"/>
+                    <a:lumOff val="60000"/>
+                  </a:schemeClr>
+                </a:solidFill>
+              </a:rPr>
+              <a:t>@Test</a:t>
+            </a:r>
+          </a:p>
+          <a:p>
+            <a:pPr marL="0" indent="0">
+              <a:buNone/>
+            </a:pPr>
+            <a:r>
+              <a:rPr lang="en-US" dirty="0"/>
+              <a:t>	public void testFindTheGreatestFromAllData_ForOneValue() {</a:t>
+            </a:r>
+          </a:p>
+          <a:p>
+            <a:pPr marL="0" indent="0">
+              <a:buNone/>
+            </a:pPr>
+            <a:r>
+              <a:rPr lang="en-US" dirty="0"/>
+              <a:t>		when(</a:t>
+            </a:r>
+            <a:r>
+              <a:rPr lang="en-US" dirty="0" err="1"/>
+              <a:t>dataServiceMock.retrieveAllData</a:t>
+            </a:r>
+            <a:r>
+              <a:rPr lang="en-US" dirty="0"/>
+              <a:t>()).thenReturn(new int[] { 15 });</a:t>
+            </a:r>
+          </a:p>
+          <a:p>
+            <a:pPr marL="0" indent="0">
+              <a:buNone/>
+            </a:pPr>
+            <a:r>
+              <a:rPr lang="en-US" dirty="0"/>
+              <a:t>		assertEquals(15, businessImpl.findTheGreatestFromAllData());</a:t>
+            </a:r>
+          </a:p>
+          <a:p>
+            <a:pPr marL="0" indent="0">
+              <a:buNone/>
+            </a:pPr>
+            <a:r>
+              <a:rPr lang="en-US" dirty="0"/>
+              <a:t>	}</a:t>
+            </a:r>
+          </a:p>
+          <a:p>
+            <a:pPr marL="0" indent="0">
+              <a:buNone/>
+            </a:pPr>
+            <a:endParaRPr lang="en-US" dirty="0"/>
+          </a:p>
+          <a:p>
+            <a:pPr marL="0" indent="0">
+              <a:buNone/>
+            </a:pPr>
+            <a:r>
+              <a:rPr lang="en-US" dirty="0"/>
+              <a:t>	</a:t>
+            </a:r>
+            <a:r>
+              <a:rPr lang="en-US" dirty="0">
+                <a:solidFill>
+                  <a:schemeClr val="accent1">
+                    <a:lumMod val="40000"/>
+                    <a:lumOff val="60000"/>
+                  </a:schemeClr>
+                </a:solidFill>
+              </a:rPr>
+              <a:t>@Test</a:t>
+            </a:r>
+          </a:p>
+          <a:p>
+            <a:pPr marL="0" indent="0">
+              <a:buNone/>
+            </a:pPr>
+            <a:r>
+              <a:rPr lang="en-US" dirty="0"/>
+              <a:t>	public void testFindTheGreatestFromAllData_NoValues() {</a:t>
+            </a:r>
+          </a:p>
+          <a:p>
+            <a:pPr marL="0" indent="0">
+              <a:buNone/>
+            </a:pPr>
+            <a:r>
+              <a:rPr lang="en-US" dirty="0"/>
+              <a:t>		when(</a:t>
+            </a:r>
+            <a:r>
+              <a:rPr lang="en-US" dirty="0" err="1"/>
+              <a:t>dataServiceMock.retrieveAllData</a:t>
+            </a:r>
+            <a:r>
+              <a:rPr lang="en-US" dirty="0"/>
+              <a:t>()).thenReturn(new int[] {});</a:t>
+            </a:r>
+          </a:p>
+          <a:p>
+            <a:pPr marL="0" indent="0">
+              <a:buNone/>
+            </a:pPr>
+            <a:r>
+              <a:rPr lang="en-US" dirty="0"/>
+              <a:t>		assertEquals(</a:t>
+            </a:r>
+            <a:r>
+              <a:rPr lang="en-US" dirty="0" err="1"/>
+              <a:t>Integer.MIN_VALUE</a:t>
             </a:r>
             <a:r>
               <a:rPr lang="en-US" dirty="0" smtClean="0"/>
-              <a:t>TestRunner</a:t>
-            </a:r>
-            <a:r>
-              <a:rPr lang="en-US" dirty="0"/>
-              <a:t>.</a:t>
-            </a:r>
-            <a:r>
-              <a:rPr lang="en-US" dirty="0"/>
-              <a:t/>
-            </a:r>
-            <a:br>
-              <a:rPr lang="en-US" dirty="0"/>
-            </a:br>
+              <a:t>, </a:t>
+            </a:r>
+            <a:r>
+              <a:rPr lang="en-US" dirty="0"/>
+              <a:t>businessImpl.findTheGreatestFromAllData());</a:t>
+            </a:r>
+          </a:p>
+          <a:p>
+            <a:pPr marL="0" indent="0">
+              <a:buNone/>
+            </a:pPr>
+            <a:r>
+              <a:rPr lang="en-US" dirty="0" smtClean="0"/>
+              <a:t>    }</a:t>
+            </a:r>
+            <a:endParaRPr lang="en-US" dirty="0"/>
+          </a:p>
+          <a:p>
+            <a:pPr marL="0" indent="0">
+              <a:buNone/>
+            </a:pPr>
+            <a:r>
+              <a:rPr lang="en-US" dirty="0"/>
+              <a:t>}</a:t>
+            </a:r>
+          </a:p>
+          <a:p>
+            <a:pPr marL="0" indent="0">
+              <a:buNone/>
+            </a:pPr>
             <a:endParaRPr lang="en-US" dirty="0"/>
           </a:p>
         </p:txBody>
@@ -6584,10 +6867,47 @@
             <p:ph type="title"/>
           </p:nvPr>
         </p:nvSpPr>
+        <p:spPr/>
+        <p:txBody>
+          <a:bodyPr/>
+          <a:lstStyle/>
+          <a:p>
+            <a:r>
+              <a:rPr lang="en-US" dirty="0" smtClean="0">
+                <a:solidFill>
+                  <a:schemeClr val="accent1">
+                    <a:lumMod val="40000"/>
+                    <a:lumOff val="60000"/>
+                  </a:schemeClr>
+                </a:solidFill>
+              </a:rPr>
+              <a:t>Notes:</a:t>
+            </a:r>
+            <a:endParaRPr lang="en-US" dirty="0">
+              <a:solidFill>
+                <a:schemeClr val="accent1">
+                  <a:lumMod val="40000"/>
+                  <a:lumOff val="60000"/>
+                </a:schemeClr>
+              </a:solidFill>
+            </a:endParaRPr>
+          </a:p>
+        </p:txBody>
+      </p:sp>
+      <p:sp>
+        <p:nvSpPr>
+          <p:cNvPr id="3" name="Content Placeholder 2"/>
+          <p:cNvSpPr>
+            <a:spLocks noGrp="1"/>
+          </p:cNvSpPr>
+          <p:nvPr>
+            <p:ph idx="1"/>
+          </p:nvPr>
+        </p:nvSpPr>
         <p:spPr>
           <a:xfrm>
-            <a:off x="977900" y="452718"/>
-            <a:ext cx="9072934" cy="906182"/>
+            <a:off x="457200" y="1600200"/>
+            <a:ext cx="9592653" cy="4648199"/>
           </a:xfrm>
         </p:spPr>
         <p:txBody>
@@ -6595,198 +6915,96 @@
           <a:lstStyle/>
           <a:p>
             <a:r>
-              <a:rPr lang="en-US" b="1" i="1" dirty="0"/>
-              <a:t>File: TestRunner.java</a:t>
-            </a:r>
-            <a:r>
-              <a:rPr lang="en-US" dirty="0"/>
-              <a:t/>
-            </a:r>
-            <a:br>
-              <a:rPr lang="en-US" dirty="0"/>
-            </a:br>
-            <a:r>
-              <a:rPr lang="en-US" dirty="0"/>
-              <a:t/>
-            </a:r>
-            <a:br>
-              <a:rPr lang="en-US" dirty="0"/>
-            </a:br>
-            <a:endParaRPr lang="en-US" dirty="0"/>
-          </a:p>
-        </p:txBody>
-      </p:sp>
-      <p:sp>
-        <p:nvSpPr>
-          <p:cNvPr id="3" name="Content Placeholder 2"/>
-          <p:cNvSpPr>
-            <a:spLocks noGrp="1"/>
-          </p:cNvSpPr>
-          <p:nvPr>
-            <p:ph idx="1"/>
-          </p:nvPr>
-        </p:nvSpPr>
-        <p:spPr>
-          <a:xfrm>
-            <a:off x="520700" y="1143000"/>
-            <a:ext cx="9529153" cy="5105399"/>
-          </a:xfrm>
-        </p:spPr>
-        <p:txBody>
-          <a:bodyPr>
-            <a:normAutofit lnSpcReduction="10000"/>
-          </a:bodyPr>
-          <a:lstStyle/>
-          <a:p>
-            <a:pPr marL="0" indent="0">
-              <a:buNone/>
-            </a:pPr>
-            <a:r>
-              <a:rPr lang="en-US" dirty="0"/>
-              <a:t>import org.junit.runner.JUnitCore;</a:t>
-            </a:r>
-          </a:p>
-          <a:p>
-            <a:pPr marL="0" indent="0">
-              <a:buNone/>
-            </a:pPr>
-            <a:r>
-              <a:rPr lang="en-US" dirty="0"/>
-              <a:t>import org.junit.runner.Result;</a:t>
-            </a:r>
-          </a:p>
-          <a:p>
-            <a:pPr marL="0" indent="0">
-              <a:buNone/>
-            </a:pPr>
-            <a:r>
-              <a:rPr lang="en-US" dirty="0"/>
-              <a:t>import org.junit.runner.notification.Failure;</a:t>
-            </a:r>
-          </a:p>
-          <a:p>
-            <a:endParaRPr lang="en-US" dirty="0"/>
-          </a:p>
-          <a:p>
-            <a:pPr marL="0" indent="0">
-              <a:buNone/>
-            </a:pPr>
-            <a:r>
-              <a:rPr lang="en-US" dirty="0"/>
-              <a:t>public class </a:t>
-            </a:r>
-            <a:r>
-              <a:rPr lang="en-US" dirty="0" smtClean="0"/>
-              <a:t>TestRunner</a:t>
-            </a:r>
-          </a:p>
-          <a:p>
-            <a:pPr marL="0" indent="0">
-              <a:buNone/>
-            </a:pPr>
-            <a:r>
-              <a:rPr lang="en-US" dirty="0" smtClean="0"/>
-              <a:t> </a:t>
-            </a:r>
-            <a:r>
-              <a:rPr lang="en-US" dirty="0"/>
-              <a:t>{</a:t>
-            </a:r>
-          </a:p>
-          <a:p>
-            <a:pPr marL="0" indent="0">
-              <a:buNone/>
-            </a:pPr>
-            <a:r>
-              <a:rPr lang="en-US" dirty="0"/>
-              <a:t>   public static void main(String[] args</a:t>
-            </a:r>
-            <a:r>
-              <a:rPr lang="en-US" dirty="0" smtClean="0"/>
-              <a:t>)</a:t>
-            </a:r>
-          </a:p>
-          <a:p>
-            <a:pPr marL="0" indent="0">
-              <a:buNone/>
-            </a:pPr>
-            <a:r>
-              <a:rPr lang="en-US" dirty="0"/>
-              <a:t> </a:t>
-            </a:r>
-            <a:r>
-              <a:rPr lang="en-US" dirty="0" smtClean="0"/>
-              <a:t>  </a:t>
-            </a:r>
-            <a:r>
-              <a:rPr lang="en-US" dirty="0"/>
-              <a:t>{</a:t>
-            </a:r>
-          </a:p>
-          <a:p>
-            <a:pPr marL="0" indent="0">
-              <a:buNone/>
-            </a:pPr>
-            <a:r>
-              <a:rPr lang="en-US" dirty="0"/>
-              <a:t>      Result </a:t>
-            </a:r>
-            <a:r>
-              <a:rPr lang="en-US" dirty="0"/>
-              <a:t>result</a:t>
-            </a:r>
-            <a:r>
-              <a:rPr lang="en-US" dirty="0"/>
-              <a:t> = JUnitCore.runClasses(</a:t>
-            </a:r>
-            <a:r>
-              <a:rPr lang="en-US" dirty="0" err="1"/>
-              <a:t>MathApplicationTester.class</a:t>
-            </a:r>
-            <a:r>
-              <a:rPr lang="en-US" dirty="0" smtClean="0"/>
-              <a:t>);</a:t>
-            </a:r>
-          </a:p>
-          <a:p>
-            <a:pPr marL="0" indent="0">
-              <a:buNone/>
-            </a:pPr>
-            <a:r>
-              <a:rPr lang="en-US" dirty="0" smtClean="0"/>
-              <a:t>      System.out.println(</a:t>
-            </a:r>
-            <a:r>
-              <a:rPr lang="en-US" dirty="0" err="1" smtClean="0"/>
-              <a:t>result.wasSuccessful</a:t>
-            </a:r>
-            <a:r>
-              <a:rPr lang="en-US" dirty="0"/>
-              <a:t>());</a:t>
-            </a:r>
-          </a:p>
-          <a:p>
-            <a:pPr marL="0" indent="0">
-              <a:buNone/>
-            </a:pPr>
-            <a:r>
-              <a:rPr lang="en-US" dirty="0"/>
-              <a:t>   }</a:t>
-            </a:r>
-          </a:p>
-          <a:p>
-            <a:pPr marL="0" indent="0">
-              <a:buNone/>
-            </a:pPr>
-            <a:r>
-              <a:rPr lang="en-US" dirty="0"/>
-              <a:t>} </a:t>
-            </a:r>
-          </a:p>
-          <a:p>
-            <a:pPr marL="0" indent="0">
-              <a:buNone/>
-            </a:pPr>
+              <a:rPr lang="en-US" sz="2400" dirty="0">
+                <a:solidFill>
+                  <a:schemeClr val="accent1">
+                    <a:lumMod val="40000"/>
+                    <a:lumOff val="60000"/>
+                  </a:schemeClr>
+                </a:solidFill>
+              </a:rPr>
+              <a:t>@Mock DataService </a:t>
+            </a:r>
+            <a:r>
+              <a:rPr lang="en-US" sz="2400" dirty="0"/>
+              <a:t>dataServiceMock; - Create a mock for DataService.</a:t>
+            </a:r>
+          </a:p>
+          <a:p>
+            <a:r>
+              <a:rPr lang="en-US" sz="2400" dirty="0">
+                <a:solidFill>
+                  <a:schemeClr val="accent1">
+                    <a:lumMod val="40000"/>
+                    <a:lumOff val="60000"/>
+                  </a:schemeClr>
+                </a:solidFill>
+              </a:rPr>
+              <a:t>@InjectMocks</a:t>
+            </a:r>
+            <a:r>
+              <a:rPr lang="en-US" sz="2400" dirty="0"/>
+              <a:t> SomeBusinessImpl businessImpl; - Inject the mocks as dependencies into businessImpl.</a:t>
+            </a:r>
+          </a:p>
+          <a:p>
+            <a:r>
+              <a:rPr lang="en-US" sz="2400" dirty="0">
+                <a:solidFill>
+                  <a:schemeClr val="accent1">
+                    <a:lumMod val="40000"/>
+                    <a:lumOff val="60000"/>
+                  </a:schemeClr>
+                </a:solidFill>
+              </a:rPr>
+              <a:t>@RunWith</a:t>
+            </a:r>
+            <a:r>
+              <a:rPr lang="en-US" sz="2400" dirty="0"/>
+              <a:t>(</a:t>
+            </a:r>
+            <a:r>
+              <a:rPr lang="en-US" sz="2400" dirty="0" err="1"/>
+              <a:t>MockitoJUnitRunner.class</a:t>
+            </a:r>
+            <a:r>
+              <a:rPr lang="en-US" sz="2400" dirty="0"/>
+              <a:t>) - The JUnit Runner which causes all the initialization magic with </a:t>
+            </a:r>
+            <a:r>
+              <a:rPr lang="en-US" sz="2400" dirty="0">
+                <a:solidFill>
+                  <a:schemeClr val="accent1">
+                    <a:lumMod val="40000"/>
+                    <a:lumOff val="60000"/>
+                  </a:schemeClr>
+                </a:solidFill>
+              </a:rPr>
+              <a:t>@Mock </a:t>
+            </a:r>
+            <a:r>
+              <a:rPr lang="en-US" sz="2400" dirty="0"/>
+              <a:t>and </a:t>
+            </a:r>
+            <a:r>
+              <a:rPr lang="en-US" sz="2400" dirty="0">
+                <a:solidFill>
+                  <a:schemeClr val="accent1">
+                    <a:lumMod val="40000"/>
+                    <a:lumOff val="60000"/>
+                  </a:schemeClr>
+                </a:solidFill>
+              </a:rPr>
+              <a:t>@InjectMocks </a:t>
+            </a:r>
+            <a:r>
+              <a:rPr lang="en-US" sz="2400" dirty="0"/>
+              <a:t>to happen before </a:t>
+            </a:r>
+            <a:r>
+              <a:rPr lang="en-US" dirty="0"/>
+              <a:t>the tests are run.</a:t>
+            </a:r>
             <a:endParaRPr lang="en-US" dirty="0"/>
           </a:p>
         </p:txBody>
@@ -6831,10 +7049,44 @@
             <p:ph type="title"/>
           </p:nvPr>
         </p:nvSpPr>
+        <p:spPr/>
+        <p:txBody>
+          <a:bodyPr/>
+          <a:lstStyle/>
+          <a:p>
+            <a:r>
+              <a:rPr lang="en-US" dirty="0" smtClean="0">
+                <a:solidFill>
+                  <a:schemeClr val="accent1">
+                    <a:lumMod val="40000"/>
+                    <a:lumOff val="60000"/>
+                  </a:schemeClr>
+                </a:solidFill>
+              </a:rPr>
+              <a:t>Benefits</a:t>
+            </a:r>
+            <a:r>
+              <a:rPr lang="en-US" dirty="0" smtClean="0"/>
+              <a:t>:</a:t>
+            </a:r>
+            <a:endParaRPr lang="en-US" dirty="0"/>
+          </a:p>
+        </p:txBody>
+      </p:sp>
+      <p:sp>
+        <p:nvSpPr>
+          <p:cNvPr id="3" name="Content Placeholder 2"/>
+          <p:cNvSpPr>
+            <a:spLocks noGrp="1"/>
+          </p:cNvSpPr>
+          <p:nvPr>
+            <p:ph idx="1"/>
+          </p:nvPr>
+        </p:nvSpPr>
         <p:spPr>
           <a:xfrm>
-            <a:off x="646111" y="139700"/>
-            <a:ext cx="9404723" cy="1713548"/>
+            <a:off x="889000" y="1511300"/>
+            <a:ext cx="9160853" cy="4737099"/>
           </a:xfrm>
         </p:spPr>
         <p:txBody>
@@ -6842,31 +7094,22 @@
           <a:lstStyle/>
           <a:p>
             <a:r>
-              <a:rPr lang="en-US" b="1" dirty="0"/>
-              <a:t>Step 5 − Verify the Result</a:t>
-            </a:r>
-            <a:endParaRPr lang="en-US" dirty="0"/>
-          </a:p>
-        </p:txBody>
-      </p:sp>
-      <p:sp>
-        <p:nvSpPr>
-          <p:cNvPr id="3" name="Content Placeholder 2"/>
-          <p:cNvSpPr>
-            <a:spLocks noGrp="1"/>
-          </p:cNvSpPr>
-          <p:nvPr>
-            <p:ph idx="1"/>
-          </p:nvPr>
-        </p:nvSpPr>
-        <p:spPr/>
-        <p:txBody>
-          <a:bodyPr/>
-          <a:lstStyle/>
-          <a:p>
-            <a:r>
-              <a:rPr lang="en-US" dirty="0"/>
-              <a:t>Now run the Test Runner to see the result</a:t>
+              <a:rPr lang="en-US" dirty="0"/>
+              <a:t>Mockito allows you to mock out classes as well as interfaces</a:t>
+            </a:r>
+            <a:r>
+              <a:rPr lang="en-US" dirty="0" smtClean="0"/>
+              <a:t>.</a:t>
+            </a:r>
+          </a:p>
+          <a:p>
+            <a:r>
+              <a:rPr lang="en-US" dirty="0"/>
+              <a:t>You can write test for resource not </a:t>
+            </a:r>
+            <a:r>
+              <a:rPr lang="en-US" dirty="0" smtClean="0"/>
+              <a:t>accessible works as life saver.</a:t>
             </a:r>
             <a:endParaRPr lang="en-US" dirty="0"/>
           </a:p>
@@ -6875,7 +7118,7 @@
     </p:spTree>
     <p:extLst>
       <p:ext uri="{BB962C8B-B14F-4D97-AF65-F5344CB8AC3E}">
-        <p14:creationId xmlns:p14="http://schemas.microsoft.com/office/powerpoint/2010/main" val="3353386425"/>
+        <p14:creationId xmlns:p14="http://schemas.microsoft.com/office/powerpoint/2010/main" val="1518743185"/>
       </p:ext>
     </p:extLst>
   </p:cSld>
@@ -6945,7 +7188,22 @@
             </a:r>
             <a:r>
               <a:rPr lang="en-US" sz="8600" dirty="0" smtClean="0"/>
-              <a:t>Thank you!                     </a:t>
+              <a:t>Thank </a:t>
+            </a:r>
+            <a:r>
+              <a:rPr lang="en-US" sz="8600" dirty="0" smtClean="0">
+                <a:solidFill>
+                  <a:schemeClr val="accent1">
+                    <a:lumMod val="40000"/>
+                    <a:lumOff val="60000"/>
+                  </a:schemeClr>
+                </a:solidFill>
+              </a:rPr>
+              <a:t>you!</a:t>
+            </a:r>
+            <a:r>
+              <a:rPr lang="en-US" sz="8600" dirty="0" smtClean="0"/>
+              <a:t>                     </a:t>
             </a:r>
           </a:p>
           <a:p>
@@ -6994,7 +7252,18 @@
             </a:r>
             <a:r>
               <a:rPr lang="en-US" sz="4000" dirty="0" smtClean="0"/>
-              <a:t>- Rashmi Jaiswal</a:t>
+              <a:t>- Rashmi </a:t>
+            </a:r>
+            <a:r>
+              <a:rPr lang="en-US" sz="4000" dirty="0" smtClean="0">
+                <a:solidFill>
+                  <a:schemeClr val="accent1">
+                    <a:lumMod val="40000"/>
+                    <a:lumOff val="60000"/>
+                  </a:schemeClr>
+                </a:solidFill>
+              </a:rPr>
+              <a:t>Jaiswal</a:t>
             </a:r>
           </a:p>
           <a:p>
@@ -7135,8 +7404,19 @@
           <a:lstStyle/>
           <a:p>
             <a:r>
+              <a:rPr lang="en-US" dirty="0" smtClean="0">
+                <a:solidFill>
+                  <a:schemeClr val="accent1">
+                    <a:lumMod val="40000"/>
+                    <a:lumOff val="60000"/>
+                  </a:schemeClr>
+                </a:solidFill>
+              </a:rPr>
+              <a:t>Introduction</a:t>
+            </a:r>
+            <a:r>
               <a:rPr lang="en-US" dirty="0" smtClean="0"/>
-              <a:t>Introduction                         </a:t>
+              <a:t>                         </a:t>
             </a:r>
             <a:endParaRPr lang="en-US" dirty="0"/>
           </a:p>
@@ -7159,7 +7439,15 @@
           <a:p>
             <a:r>
               <a:rPr lang="en-US" dirty="0"/>
-              <a:t>Mockito is a mocking </a:t>
+              <a:t>Mockito is </a:t>
+            </a:r>
+            <a:r>
+              <a:rPr lang="en-US" dirty="0" smtClean="0"/>
+              <a:t>a popular </a:t>
+            </a:r>
+            <a:r>
+              <a:rPr lang="en-US" dirty="0"/>
+              <a:t>mocking </a:t>
             </a:r>
             <a:r>
               <a:rPr lang="en-US" dirty="0" smtClean="0"/>
@@ -7199,8 +7487,13 @@
             </a:r>
             <a:r>
               <a:rPr lang="en-US" dirty="0"/>
-              <a:t>software through unit testing and test-driven development.</a:t>
-            </a:r>
+              <a:t>software through unit testing and test-driven </a:t>
+            </a:r>
+            <a:r>
+              <a:rPr lang="en-US" dirty="0" smtClean="0"/>
+              <a:t>development(TDD).</a:t>
+            </a:r>
+            <a:endParaRPr lang="en-US" dirty="0"/>
           </a:p>
           <a:p>
             <a:pPr marL="0" indent="0">
@@ -7305,10 +7598,24 @@
               <a:rPr lang="en-US" dirty="0" smtClean="0"/>
             </a:br>
             <a:r>
-              <a:rPr lang="en-US" dirty="0" smtClean="0"/>
+              <a:rPr lang="en-US" dirty="0" smtClean="0">
+                <a:solidFill>
+                  <a:schemeClr val="accent1">
+                    <a:lumMod val="40000"/>
+                    <a:lumOff val="60000"/>
+                  </a:schemeClr>
+                </a:solidFill>
+              </a:rPr>
               <a:t>How to use :                           </a:t>
             </a:r>
-            <a:endParaRPr lang="en-US" dirty="0"/>
+            <a:endParaRPr lang="en-US" dirty="0">
+              <a:solidFill>
+                <a:schemeClr val="accent1">
+                  <a:lumMod val="40000"/>
+                  <a:lumOff val="60000"/>
+                </a:schemeClr>
+              </a:solidFill>
+            </a:endParaRPr>
           </a:p>
         </p:txBody>
       </p:sp>
@@ -7329,42 +7636,43 @@
           <a:p>
             <a:r>
               <a:rPr lang="en-US" dirty="0"/>
-              <a:t>C</a:t>
+              <a:t>In the example below SomeBusinessImpl depends on DataService. When we write a unit test for </a:t>
             </a:r>
             <a:r>
               <a:rPr lang="en-US" dirty="0" smtClean="0"/>
-              <a:t>reate </a:t>
-            </a:r>
-            <a:r>
-              <a:rPr lang="en-US" dirty="0"/>
-              <a:t>a Math Application which uses CalculatorService to perform basic mathematical operations such as addition, subtraction, multiply, and division</a:t>
-            </a:r>
+              <a:t>SomeBusinessImpl.</a:t>
+            </a:r>
+          </a:p>
+          <a:p>
             <a:r>
               <a:rPr lang="en-US" dirty="0" smtClean="0"/>
-              <a:t>.</a:t>
-            </a:r>
-          </a:p>
-          <a:p>
-            <a:r>
-              <a:rPr lang="en-US" b="1" dirty="0"/>
-              <a:t>Step 1 − Create an interface called </a:t>
-            </a:r>
-            <a:r>
-              <a:rPr lang="en-US" b="1" dirty="0" smtClean="0"/>
-              <a:t>as CalculatorService </a:t>
-            </a:r>
-            <a:r>
-              <a:rPr lang="en-US" b="1" dirty="0"/>
-              <a:t>to provide mathematical </a:t>
-            </a:r>
-            <a:r>
-              <a:rPr lang="en-US" b="1" dirty="0" smtClean="0"/>
-              <a:t>functions</a:t>
-            </a:r>
-            <a:endParaRPr lang="en-US" dirty="0"/>
-          </a:p>
-          <a:p>
-            <a:endParaRPr lang="en-US" dirty="0"/>
+              <a:t> </a:t>
+            </a:r>
+            <a:r>
+              <a:rPr lang="en-US" dirty="0"/>
+              <a:t>W</a:t>
+            </a:r>
+            <a:r>
+              <a:rPr lang="en-US" dirty="0" smtClean="0"/>
+              <a:t>e </a:t>
+            </a:r>
+            <a:r>
+              <a:rPr lang="en-US" dirty="0"/>
+              <a:t>will want to use a mock DataService - one which does not connect to a database.</a:t>
+            </a:r>
+          </a:p>
+          <a:p>
+            <a:pPr marL="0" indent="0">
+              <a:buNone/>
+            </a:pPr>
+            <a:r>
+              <a:rPr lang="en-US" dirty="0"/>
+              <a:t/>
+            </a:r>
+            <a:br>
+              <a:rPr lang="en-US" dirty="0"/>
+            </a:br>
+            <a:endParaRPr lang="en-US" dirty="0" smtClean="0"/>
           </a:p>
         </p:txBody>
       </p:sp>
@@ -7444,10 +7752,24 @@
           <a:lstStyle/>
           <a:p>
             <a:r>
-              <a:rPr lang="en-US" b="1" i="1" dirty="0"/>
-              <a:t>File: CalculatorService.java</a:t>
-            </a:r>
-            <a:endParaRPr lang="en-US" dirty="0"/>
+              <a:rPr lang="en-US" dirty="0" smtClean="0">
+                <a:solidFill>
+                  <a:schemeClr val="accent1">
+                    <a:lumMod val="40000"/>
+                    <a:lumOff val="60000"/>
+                  </a:schemeClr>
+                </a:solidFill>
+              </a:rPr>
+              <a:t>SomeBusinessImpl.java</a:t>
+            </a:r>
+            <a:endParaRPr lang="en-US" dirty="0">
+              <a:solidFill>
+                <a:schemeClr val="accent1">
+                  <a:lumMod val="40000"/>
+                  <a:lumOff val="60000"/>
+                </a:schemeClr>
+              </a:solidFill>
+            </a:endParaRPr>
           </a:p>
         </p:txBody>
       </p:sp>
@@ -7470,12 +7792,8 @@
               <a:buNone/>
             </a:pPr>
             <a:r>
-              <a:rPr lang="en-US" dirty="0" smtClean="0"/>
-              <a:t>public </a:t>
-            </a:r>
-            <a:r>
-              <a:rPr lang="en-US" dirty="0"/>
-              <a:t>interface CalculatorService </a:t>
+              <a:rPr lang="en-US" dirty="0"/>
+              <a:t>public class SomeBusinessImpl </a:t>
             </a:r>
             <a:endParaRPr lang="en-US" dirty="0" smtClean="0"/>
           </a:p>
@@ -7495,30 +7813,63 @@
             </a:pPr>
             <a:r>
               <a:rPr lang="en-US" dirty="0"/>
-              <a:t>   public double add(double input1, double input2);</a:t>
-            </a:r>
-          </a:p>
-          <a:p>
-            <a:pPr marL="0" indent="0">
-              <a:buNone/>
-            </a:pPr>
-            <a:r>
-              <a:rPr lang="en-US" dirty="0"/>
-              <a:t>   public double subtract(double input1, double input2);</a:t>
-            </a:r>
-          </a:p>
-          <a:p>
-            <a:pPr marL="0" indent="0">
-              <a:buNone/>
-            </a:pPr>
-            <a:r>
-              <a:rPr lang="en-US" dirty="0"/>
-              <a:t>   public double multiply(double input1, double input2</a:t>
+              <a:t>	private DataService </a:t>
+            </a:r>
+            <a:r>
+              <a:rPr lang="en-US" dirty="0"/>
+              <a:t>dataService</a:t>
+            </a:r>
+            <a:r>
+              <a:rPr lang="en-US" dirty="0"/>
+              <a:t>;</a:t>
+            </a:r>
+          </a:p>
+          <a:p>
+            <a:pPr marL="0" indent="0">
+              <a:buNone/>
+            </a:pPr>
+            <a:endParaRPr lang="en-US" dirty="0"/>
+          </a:p>
+          <a:p>
+            <a:pPr marL="0" indent="0">
+              <a:buNone/>
+            </a:pPr>
+            <a:r>
+              <a:rPr lang="en-US" dirty="0"/>
+              <a:t>	public SomeBusinessImpl(DataService dataService) {</a:t>
+            </a:r>
+          </a:p>
+          <a:p>
+            <a:pPr marL="0" indent="0">
+              <a:buNone/>
+            </a:pPr>
+            <a:r>
+              <a:rPr lang="en-US" dirty="0"/>
+              <a:t>		super();</a:t>
+            </a:r>
+          </a:p>
+          <a:p>
+            <a:pPr marL="0" indent="0">
+              <a:buNone/>
+            </a:pPr>
+            <a:r>
+              <a:rPr lang="en-US" dirty="0"/>
+              <a:t>		this.dataService = dataService;</a:t>
+            </a:r>
+          </a:p>
+          <a:p>
+            <a:pPr marL="0" indent="0">
+              <a:buNone/>
+            </a:pPr>
+            <a:r>
+              <a:rPr lang="en-US" dirty="0"/>
+              <a:t>	</a:t>
             </a:r>
             <a:r>
               <a:rPr lang="en-US" dirty="0" smtClean="0"/>
-              <a:t>);</a:t>
-            </a:r>
+              <a:t>  }</a:t>
+            </a:r>
+            <a:endParaRPr lang="en-US" dirty="0"/>
           </a:p>
           <a:p>
             <a:pPr marL="0" indent="0">
@@ -7526,28 +7877,9 @@
             </a:pPr>
             <a:r>
               <a:rPr lang="en-US" dirty="0" smtClean="0"/>
-              <a:t>   public </a:t>
-            </a:r>
-            <a:r>
-              <a:rPr lang="en-US" dirty="0"/>
-              <a:t>double divide(double input1, double input2);</a:t>
-            </a:r>
-          </a:p>
-          <a:p>
-            <a:pPr marL="0" indent="0">
-              <a:buNone/>
-            </a:pPr>
+              <a:t>}</a:t>
+            </a:r>
             <a:endParaRPr lang="en-US" dirty="0" smtClean="0"/>
-          </a:p>
-          <a:p>
-            <a:pPr marL="0" indent="0">
-              <a:buNone/>
-            </a:pPr>
-            <a:r>
-              <a:rPr lang="en-US" dirty="0" smtClean="0"/>
-              <a:t> }</a:t>
-            </a:r>
-            <a:endParaRPr lang="en-US" dirty="0"/>
           </a:p>
         </p:txBody>
       </p:sp>
@@ -7593,8 +7925,8 @@
         </p:nvSpPr>
         <p:spPr>
           <a:xfrm>
-            <a:off x="646111" y="660400"/>
-            <a:ext cx="9404723" cy="1384300"/>
+            <a:off x="939800" y="452718"/>
+            <a:ext cx="9111034" cy="741082"/>
           </a:xfrm>
         </p:spPr>
         <p:txBody>
@@ -7602,9 +7934,151 @@
           <a:lstStyle/>
           <a:p>
             <a:r>
-              <a:rPr lang="en-US" b="1" dirty="0"/>
-              <a:t>Step 2 − Create a JAVA class to represent MathApplication</a:t>
-            </a:r>
+              <a:rPr lang="en-US" dirty="0" smtClean="0">
+                <a:solidFill>
+                  <a:schemeClr val="accent1">
+                    <a:lumMod val="40000"/>
+                    <a:lumOff val="60000"/>
+                  </a:schemeClr>
+                </a:solidFill>
+              </a:rPr>
+              <a:t>Writing a test with Mockito</a:t>
+            </a:r>
+            <a:br>
+              <a:rPr lang="en-US" dirty="0" smtClean="0">
+                <a:solidFill>
+                  <a:schemeClr val="accent1">
+                    <a:lumMod val="40000"/>
+                    <a:lumOff val="60000"/>
+                  </a:schemeClr>
+                </a:solidFill>
+              </a:rPr>
+            </a:br>
+            <a:r>
+              <a:rPr lang="en-US" dirty="0" smtClean="0">
+                <a:solidFill>
+                  <a:schemeClr val="accent1">
+                    <a:lumMod val="40000"/>
+                    <a:lumOff val="60000"/>
+                  </a:schemeClr>
+                </a:solidFill>
+              </a:rPr>
+              <a:t/>
+            </a:r>
+            <a:br>
+              <a:rPr lang="en-US" dirty="0" smtClean="0">
+                <a:solidFill>
+                  <a:schemeClr val="accent1">
+                    <a:lumMod val="40000"/>
+                    <a:lumOff val="60000"/>
+                  </a:schemeClr>
+                </a:solidFill>
+              </a:rPr>
+            </a:br>
+            <a:endParaRPr lang="en-US" dirty="0">
+              <a:solidFill>
+                <a:schemeClr val="accent1">
+                  <a:lumMod val="40000"/>
+                  <a:lumOff val="60000"/>
+                </a:schemeClr>
+              </a:solidFill>
+            </a:endParaRPr>
+          </a:p>
+        </p:txBody>
+      </p:sp>
+      <p:sp>
+        <p:nvSpPr>
+          <p:cNvPr id="4" name="Content Placeholder 3"/>
+          <p:cNvSpPr>
+            <a:spLocks noGrp="1"/>
+          </p:cNvSpPr>
+          <p:nvPr>
+            <p:ph idx="1"/>
+          </p:nvPr>
+        </p:nvSpPr>
+        <p:spPr>
+          <a:xfrm>
+            <a:off x="939800" y="1358900"/>
+            <a:ext cx="9656153" cy="4952999"/>
+          </a:xfrm>
+        </p:spPr>
+        <p:txBody>
+          <a:bodyPr/>
+          <a:lstStyle/>
+          <a:p>
+            <a:pPr marL="0" indent="0">
+              <a:buNone/>
+            </a:pPr>
+            <a:endParaRPr lang="en-US" dirty="0" smtClean="0"/>
+          </a:p>
+          <a:p>
+            <a:pPr marL="0" indent="0">
+              <a:buNone/>
+            </a:pPr>
+            <a:r>
+              <a:rPr lang="en-US" dirty="0" smtClean="0"/>
+              <a:t>Import following :-</a:t>
+            </a:r>
+            <a:endParaRPr lang="en-US" dirty="0"/>
+          </a:p>
+          <a:p>
+            <a:pPr marL="0" indent="0">
+              <a:buNone/>
+            </a:pPr>
+            <a:endParaRPr lang="en-US" dirty="0" smtClean="0"/>
+          </a:p>
+          <a:p>
+            <a:pPr marL="0" indent="0">
+              <a:buNone/>
+            </a:pPr>
+            <a:r>
+              <a:rPr lang="en-US" dirty="0" smtClean="0"/>
+              <a:t>import </a:t>
+            </a:r>
+            <a:r>
+              <a:rPr lang="en-US" dirty="0"/>
+              <a:t>static org.junit.Assert.assertEquals;</a:t>
+            </a:r>
+          </a:p>
+          <a:p>
+            <a:pPr marL="0" indent="0">
+              <a:buNone/>
+            </a:pPr>
+            <a:r>
+              <a:rPr lang="en-US" dirty="0" smtClean="0"/>
+              <a:t>import static </a:t>
+            </a:r>
+            <a:r>
+              <a:rPr lang="en-US" dirty="0"/>
+              <a:t>org.mockito.Mockito.mock;</a:t>
+            </a:r>
+          </a:p>
+          <a:p>
+            <a:pPr marL="0" indent="0">
+              <a:buNone/>
+            </a:pPr>
+            <a:r>
+              <a:rPr lang="en-US" dirty="0"/>
+              <a:t>import static org.mockito.Mockito.when;</a:t>
+            </a:r>
+          </a:p>
+          <a:p>
+            <a:pPr marL="0" indent="0">
+              <a:buNone/>
+            </a:pPr>
+            <a:r>
+              <a:rPr lang="en-US" dirty="0" smtClean="0"/>
+              <a:t>import org.junit.Test</a:t>
+            </a:r>
+            <a:r>
+              <a:rPr lang="en-US" dirty="0"/>
+              <a:t>;</a:t>
+            </a:r>
+          </a:p>
+          <a:p>
+            <a:pPr marL="0" indent="0">
+              <a:buNone/>
+            </a:pPr>
             <a:endParaRPr lang="en-US" dirty="0"/>
           </a:p>
         </p:txBody>
@@ -7641,46 +8115,18 @@
       </p:grpSpPr>
       <p:sp>
         <p:nvSpPr>
-          <p:cNvPr id="2" name="Title 1"/>
-          <p:cNvSpPr>
-            <a:spLocks noGrp="1"/>
-          </p:cNvSpPr>
-          <p:nvPr>
-            <p:ph type="title"/>
+          <p:cNvPr id="3" name="Content Placeholder 2"/>
+          <p:cNvSpPr>
+            <a:spLocks noGrp="1"/>
+          </p:cNvSpPr>
+          <p:nvPr>
+            <p:ph idx="1"/>
           </p:nvPr>
         </p:nvSpPr>
         <p:spPr>
           <a:xfrm>
-            <a:off x="646111" y="452718"/>
-            <a:ext cx="9404723" cy="575982"/>
-          </a:xfrm>
-        </p:spPr>
-        <p:txBody>
-          <a:bodyPr/>
-          <a:lstStyle/>
-          <a:p>
-            <a:r>
-              <a:rPr lang="en-US" b="1" i="1" dirty="0"/>
-              <a:t>File: MathApplication.java</a:t>
-            </a:r>
-            <a:endParaRPr lang="en-US" dirty="0"/>
-          </a:p>
-        </p:txBody>
-      </p:sp>
-      <p:sp>
-        <p:nvSpPr>
-          <p:cNvPr id="3" name="Content Placeholder 2"/>
-          <p:cNvSpPr>
-            <a:spLocks noGrp="1"/>
-          </p:cNvSpPr>
-          <p:nvPr>
-            <p:ph idx="1"/>
-          </p:nvPr>
-        </p:nvSpPr>
-        <p:spPr>
-          <a:xfrm>
-            <a:off x="1103312" y="1231900"/>
-            <a:ext cx="8946541" cy="5499100"/>
+            <a:off x="646111" y="1028700"/>
+            <a:ext cx="10923589" cy="5702300"/>
           </a:xfrm>
         </p:spPr>
         <p:txBody>
@@ -7694,18 +8140,142 @@
             </a:pPr>
             <a:r>
               <a:rPr lang="en-US" dirty="0"/>
-              <a:t>public class MathApplication </a:t>
-            </a:r>
-            <a:endParaRPr lang="en-US" dirty="0" smtClean="0"/>
-          </a:p>
-          <a:p>
-            <a:pPr marL="0" indent="0">
-              <a:buNone/>
-            </a:pPr>
+              <a:t>public class SomeBusinessMockTest {</a:t>
+            </a:r>
+          </a:p>
+          <a:p>
+            <a:pPr marL="0" indent="0">
+              <a:buNone/>
+            </a:pPr>
+            <a:endParaRPr lang="en-US" dirty="0"/>
+          </a:p>
+          <a:p>
+            <a:pPr marL="0" indent="0">
+              <a:buNone/>
+            </a:pPr>
+            <a:r>
+              <a:rPr lang="en-US" dirty="0"/>
+              <a:t>	</a:t>
+            </a:r>
+            <a:r>
+              <a:rPr lang="en-US" dirty="0">
+                <a:solidFill>
+                  <a:schemeClr val="accent1">
+                    <a:lumMod val="40000"/>
+                    <a:lumOff val="60000"/>
+                  </a:schemeClr>
+                </a:solidFill>
+              </a:rPr>
+              <a:t>@Test</a:t>
+            </a:r>
+          </a:p>
+          <a:p>
+            <a:pPr marL="0" indent="0">
+              <a:buNone/>
+            </a:pPr>
+            <a:r>
+              <a:rPr lang="en-US" dirty="0"/>
+              <a:t>	public void testFindTheGreatestFromAllData</a:t>
+            </a:r>
             <a:r>
               <a:rPr lang="en-US" dirty="0" smtClean="0"/>
-              <a:t>{</a:t>
-            </a:r>
+              <a:t>()</a:t>
+            </a:r>
+          </a:p>
+          <a:p>
+            <a:pPr marL="0" indent="0">
+              <a:buNone/>
+            </a:pPr>
+            <a:r>
+              <a:rPr lang="en-US" dirty="0" smtClean="0"/>
+              <a:t>    {</a:t>
+            </a:r>
+            <a:endParaRPr lang="en-US" dirty="0"/>
+          </a:p>
+          <a:p>
+            <a:pPr marL="0" indent="0">
+              <a:buNone/>
+            </a:pPr>
+            <a:r>
+              <a:rPr lang="en-US" dirty="0"/>
+              <a:t>		DataService dataServiceMock = mock(</a:t>
+            </a:r>
+            <a:r>
+              <a:rPr lang="en-US" dirty="0" err="1"/>
+              <a:t>DataService.class</a:t>
+            </a:r>
+            <a:r>
+              <a:rPr lang="en-US" dirty="0"/>
+              <a:t>);</a:t>
+            </a:r>
+          </a:p>
+          <a:p>
+            <a:pPr marL="0" indent="0">
+              <a:buNone/>
+            </a:pPr>
+            <a:r>
+              <a:rPr lang="en-US" dirty="0"/>
+              <a:t>		when(</a:t>
+            </a:r>
+            <a:r>
+              <a:rPr lang="en-US" dirty="0" err="1"/>
+              <a:t>dataServiceMock.retrieveAllData</a:t>
+            </a:r>
+            <a:r>
+              <a:rPr lang="en-US" dirty="0"/>
+              <a:t>()).thenReturn(new </a:t>
+            </a:r>
+            <a:r>
+              <a:rPr lang="en-US" dirty="0" smtClean="0"/>
+              <a:t>int[]</a:t>
+            </a:r>
+            <a:r>
+              <a:rPr lang="en-US" dirty="0"/>
+              <a:t> {24, 15, 3 });</a:t>
+            </a:r>
+          </a:p>
+          <a:p>
+            <a:pPr marL="0" indent="0">
+              <a:buNone/>
+            </a:pPr>
+            <a:r>
+              <a:rPr lang="en-US" dirty="0"/>
+              <a:t>		SomeBusinessImpl businessImpl = new SomeBusinessImpl(dataServiceMock);</a:t>
+            </a:r>
+          </a:p>
+          <a:p>
+            <a:pPr marL="0" indent="0">
+              <a:buNone/>
+            </a:pPr>
+            <a:r>
+              <a:rPr lang="en-US" dirty="0"/>
+              <a:t>		int result = businessImpl.findTheGreatestFromAllData();</a:t>
+            </a:r>
+          </a:p>
+          <a:p>
+            <a:pPr marL="0" indent="0">
+              <a:buNone/>
+            </a:pPr>
+            <a:r>
+              <a:rPr lang="en-US" dirty="0"/>
+              <a:t>		assertEquals(24, result);</a:t>
+            </a:r>
+          </a:p>
+          <a:p>
+            <a:pPr marL="0" indent="0">
+              <a:buNone/>
+            </a:pPr>
+            <a:r>
+              <a:rPr lang="en-US" dirty="0"/>
+              <a:t>	</a:t>
+            </a:r>
+            <a:r>
+              <a:rPr lang="en-US" dirty="0" smtClean="0"/>
+              <a:t>}</a:t>
+            </a:r>
+            <a:endParaRPr lang="en-US" dirty="0"/>
+          </a:p>
+          <a:p>
             <a:endParaRPr lang="en-US" dirty="0"/>
           </a:p>
           <a:p>
@@ -7718,133 +8288,7 @@
             </a:r>
             <a:r>
               <a:rPr lang="en-US" dirty="0" smtClean="0"/>
-              <a:t> private </a:t>
-            </a:r>
-            <a:r>
-              <a:rPr lang="en-US" dirty="0"/>
-              <a:t>CalculatorService calcService;</a:t>
-            </a:r>
-          </a:p>
-          <a:p>
-            <a:endParaRPr lang="en-US" dirty="0"/>
-          </a:p>
-          <a:p>
-            <a:pPr marL="0" indent="0">
-              <a:buNone/>
-            </a:pPr>
-            <a:r>
-              <a:rPr lang="en-US" dirty="0"/>
-              <a:t>   </a:t>
-            </a:r>
-            <a:r>
-              <a:rPr lang="en-US" dirty="0" smtClean="0"/>
-              <a:t> public </a:t>
-            </a:r>
-            <a:r>
-              <a:rPr lang="en-US" dirty="0"/>
-              <a:t>void setCalculatorService(CalculatorService calcService</a:t>
-            </a:r>
-            <a:r>
-              <a:rPr lang="en-US" dirty="0" smtClean="0"/>
-              <a:t>)</a:t>
-            </a:r>
-          </a:p>
-          <a:p>
-            <a:pPr marL="0" indent="0">
-              <a:buNone/>
-            </a:pPr>
-            <a:r>
-              <a:rPr lang="en-US" dirty="0" smtClean="0"/>
-              <a:t>     {</a:t>
-            </a:r>
-            <a:endParaRPr lang="en-US" dirty="0"/>
-          </a:p>
-          <a:p>
-            <a:pPr marL="0" indent="0">
-              <a:buNone/>
-            </a:pPr>
-            <a:r>
-              <a:rPr lang="en-US" dirty="0"/>
-              <a:t>      this.calcService = calcService;</a:t>
-            </a:r>
-          </a:p>
-          <a:p>
-            <a:pPr marL="0" indent="0">
-              <a:buNone/>
-            </a:pPr>
-            <a:r>
-              <a:rPr lang="en-US" dirty="0"/>
-              <a:t>  </a:t>
-            </a:r>
-            <a:r>
-              <a:rPr lang="en-US" dirty="0" smtClean="0"/>
-              <a:t>   </a:t>
-            </a:r>
-            <a:r>
-              <a:rPr lang="en-US" dirty="0"/>
-              <a:t>}</a:t>
-            </a:r>
-          </a:p>
-          <a:p>
-            <a:pPr marL="0" indent="0">
-              <a:buNone/>
-            </a:pPr>
-            <a:r>
-              <a:rPr lang="en-US" dirty="0"/>
-              <a:t>   </a:t>
-            </a:r>
-          </a:p>
-          <a:p>
-            <a:pPr marL="0" indent="0">
-              <a:buNone/>
-            </a:pPr>
-            <a:r>
-              <a:rPr lang="en-US"/>
-              <a:t>  </a:t>
-            </a:r>
-            <a:r>
-              <a:rPr lang="en-US" smtClean="0"/>
-              <a:t>  </a:t>
-            </a:r>
-            <a:r>
-              <a:rPr lang="en-US" dirty="0"/>
-              <a:t>public double add(double input1, double input2</a:t>
-            </a:r>
-            <a:r>
-              <a:rPr lang="en-US" dirty="0" smtClean="0"/>
-              <a:t>)</a:t>
-            </a:r>
-          </a:p>
-          <a:p>
-            <a:pPr marL="0" indent="0">
-              <a:buNone/>
-            </a:pPr>
-            <a:r>
-              <a:rPr lang="en-US" dirty="0" smtClean="0"/>
-              <a:t>      {</a:t>
-            </a:r>
-            <a:endParaRPr lang="en-US" dirty="0"/>
-          </a:p>
-          <a:p>
-            <a:pPr marL="0" indent="0">
-              <a:buNone/>
-            </a:pPr>
-            <a:r>
-              <a:rPr lang="en-US" dirty="0"/>
-              <a:t>      return calcService.add(input1, input2</a:t>
-            </a:r>
-            <a:r>
-              <a:rPr lang="en-US" dirty="0" smtClean="0"/>
-              <a:t>);</a:t>
-            </a:r>
-          </a:p>
-          <a:p>
-            <a:pPr marL="0" indent="0">
-              <a:buNone/>
-            </a:pPr>
-            <a:r>
-              <a:rPr lang="en-US" dirty="0" smtClean="0"/>
-              <a:t>      }</a:t>
+              <a:t> </a:t>
             </a:r>
             <a:endParaRPr lang="en-US" dirty="0"/>
           </a:p>
@@ -7892,45 +8336,16 @@
         </p:nvSpPr>
         <p:spPr>
           <a:xfrm>
-            <a:off x="711200" y="673100"/>
-            <a:ext cx="9351353" cy="5943600"/>
+            <a:off x="558800" y="673100"/>
+            <a:ext cx="10553700" cy="5943600"/>
           </a:xfrm>
         </p:spPr>
         <p:txBody>
           <a:bodyPr>
-            <a:normAutofit fontScale="92500" lnSpcReduction="20000"/>
+            <a:normAutofit/>
           </a:bodyPr>
           <a:lstStyle/>
           <a:p>
-            <a:endParaRPr lang="en-US" dirty="0"/>
-          </a:p>
-          <a:p>
-            <a:pPr marL="0" indent="0">
-              <a:buNone/>
-            </a:pPr>
-            <a:r>
-              <a:rPr lang="en-US" dirty="0"/>
-              <a:t>   public double subtract(double input1, double input2</a:t>
-            </a:r>
-            <a:r>
-              <a:rPr lang="en-US" dirty="0" smtClean="0"/>
-              <a:t>)</a:t>
-            </a:r>
-          </a:p>
-          <a:p>
-            <a:pPr marL="0" indent="0">
-              <a:buNone/>
-            </a:pPr>
-            <a:r>
-              <a:rPr lang="en-US" dirty="0"/>
-              <a:t> </a:t>
-            </a:r>
-            <a:r>
-              <a:rPr lang="en-US" dirty="0" smtClean="0"/>
-              <a:t>  {</a:t>
-            </a:r>
-          </a:p>
-          <a:p>
             <a:pPr marL="0" indent="0">
               <a:buNone/>
             </a:pPr>
@@ -7939,126 +8354,112 @@
               <a:t>      </a:t>
             </a:r>
             <a:r>
-              <a:rPr lang="en-US" dirty="0"/>
-              <a:t>return calcService.subtract(input1, input2);</a:t>
-            </a:r>
-          </a:p>
-          <a:p>
-            <a:pPr marL="0" indent="0">
-              <a:buNone/>
-            </a:pPr>
-            <a:r>
-              <a:rPr lang="en-US" dirty="0"/>
-              <a:t>   }</a:t>
-            </a:r>
-          </a:p>
-          <a:p>
-            <a:pPr marL="0" indent="0">
-              <a:buNone/>
-            </a:pPr>
-            <a:r>
-              <a:rPr lang="en-US" dirty="0"/>
-              <a:t>   </a:t>
-            </a:r>
-          </a:p>
-          <a:p>
-            <a:pPr marL="0" indent="0">
-              <a:buNone/>
-            </a:pPr>
-            <a:r>
-              <a:rPr lang="en-US" dirty="0"/>
-              <a:t>   public double multiply(double input1, double input2</a:t>
-            </a:r>
-            <a:r>
-              <a:rPr lang="en-US" dirty="0" smtClean="0"/>
-              <a:t>)</a:t>
-            </a:r>
-          </a:p>
-          <a:p>
-            <a:pPr marL="0" indent="0">
-              <a:buNone/>
-            </a:pPr>
-            <a:r>
-              <a:rPr lang="en-US" dirty="0"/>
-              <a:t> </a:t>
-            </a:r>
-            <a:r>
-              <a:rPr lang="en-US" dirty="0" smtClean="0"/>
-              <a:t>  {</a:t>
-            </a:r>
-            <a:endParaRPr lang="en-US" dirty="0"/>
-          </a:p>
-          <a:p>
-            <a:pPr marL="0" indent="0">
-              <a:buNone/>
-            </a:pPr>
-            <a:r>
-              <a:rPr lang="en-US" dirty="0"/>
-              <a:t>      return calcService.multiply(input1, input2);</a:t>
-            </a:r>
-          </a:p>
-          <a:p>
-            <a:pPr marL="0" indent="0">
-              <a:buNone/>
-            </a:pPr>
-            <a:r>
-              <a:rPr lang="en-US" dirty="0"/>
-              <a:t>   }</a:t>
-            </a:r>
-          </a:p>
-          <a:p>
-            <a:pPr marL="0" indent="0">
-              <a:buNone/>
-            </a:pPr>
-            <a:r>
-              <a:rPr lang="en-US" dirty="0"/>
-              <a:t>   </a:t>
-            </a:r>
-          </a:p>
-          <a:p>
-            <a:pPr marL="0" indent="0">
-              <a:buNone/>
-            </a:pPr>
-            <a:r>
-              <a:rPr lang="en-US" dirty="0"/>
-              <a:t>   public double divide(double input1, double input2</a:t>
-            </a:r>
-            <a:r>
-              <a:rPr lang="en-US" dirty="0" smtClean="0"/>
-              <a:t>)</a:t>
-            </a:r>
-          </a:p>
-          <a:p>
-            <a:pPr marL="0" indent="0">
-              <a:buNone/>
-            </a:pPr>
-            <a:r>
-              <a:rPr lang="en-US" dirty="0"/>
-              <a:t> </a:t>
-            </a:r>
-            <a:r>
-              <a:rPr lang="en-US" dirty="0" smtClean="0"/>
-              <a:t> {</a:t>
-            </a:r>
-            <a:endParaRPr lang="en-US" dirty="0"/>
-          </a:p>
-          <a:p>
-            <a:pPr marL="0" indent="0">
-              <a:buNone/>
-            </a:pPr>
-            <a:r>
-              <a:rPr lang="en-US" dirty="0"/>
-              <a:t>      return calcService.divide(input1, input2);</a:t>
-            </a:r>
-          </a:p>
-          <a:p>
-            <a:pPr marL="0" indent="0">
-              <a:buNone/>
-            </a:pPr>
-            <a:r>
-              <a:rPr lang="en-US" dirty="0"/>
-              <a:t>   }</a:t>
-            </a:r>
+              <a:rPr lang="en-US" dirty="0" smtClean="0">
+                <a:solidFill>
+                  <a:schemeClr val="accent1">
+                    <a:lumMod val="40000"/>
+                    <a:lumOff val="60000"/>
+                  </a:schemeClr>
+                </a:solidFill>
+              </a:rPr>
+              <a:t>@</a:t>
+            </a:r>
+            <a:r>
+              <a:rPr lang="en-US" dirty="0">
+                <a:solidFill>
+                  <a:schemeClr val="accent1">
+                    <a:lumMod val="40000"/>
+                    <a:lumOff val="60000"/>
+                  </a:schemeClr>
+                </a:solidFill>
+              </a:rPr>
+              <a:t>Test</a:t>
+            </a:r>
+          </a:p>
+          <a:p>
+            <a:pPr marL="0" indent="0">
+              <a:buNone/>
+            </a:pPr>
+            <a:r>
+              <a:rPr lang="en-US" dirty="0"/>
+              <a:t>	public void testFindTheGreatestFromAllData_ForOneValue() {</a:t>
+            </a:r>
+          </a:p>
+          <a:p>
+            <a:pPr marL="0" indent="0">
+              <a:buNone/>
+            </a:pPr>
+            <a:r>
+              <a:rPr lang="en-US" dirty="0"/>
+              <a:t>		DataService dataServiceMock = mock(</a:t>
+            </a:r>
+            <a:r>
+              <a:rPr lang="en-US" dirty="0" err="1"/>
+              <a:t>DataService.class</a:t>
+            </a:r>
+            <a:r>
+              <a:rPr lang="en-US" dirty="0"/>
+              <a:t>);</a:t>
+            </a:r>
+          </a:p>
+          <a:p>
+            <a:pPr marL="0" indent="0">
+              <a:buNone/>
+            </a:pPr>
+            <a:r>
+              <a:rPr lang="en-US" dirty="0"/>
+              <a:t>		when(</a:t>
+            </a:r>
+            <a:r>
+              <a:rPr lang="en-US" dirty="0" err="1"/>
+              <a:t>dataServiceMock.retrieveAllData</a:t>
+            </a:r>
+            <a:r>
+              <a:rPr lang="en-US" dirty="0"/>
+              <a:t>()).thenReturn(new int[] { 15 });</a:t>
+            </a:r>
+          </a:p>
+          <a:p>
+            <a:pPr marL="0" indent="0">
+              <a:buNone/>
+            </a:pPr>
+            <a:r>
+              <a:rPr lang="en-US" dirty="0"/>
+              <a:t>		SomeBusinessImpl businessImpl = new SomeBusinessImpl(dataServiceMock);</a:t>
+            </a:r>
+          </a:p>
+          <a:p>
+            <a:pPr marL="0" indent="0">
+              <a:buNone/>
+            </a:pPr>
+            <a:r>
+              <a:rPr lang="en-US" dirty="0"/>
+              <a:t>		int result = businessImpl.findTheGreatestFromAllData();</a:t>
+            </a:r>
+          </a:p>
+          <a:p>
+            <a:pPr marL="0" indent="0">
+              <a:buNone/>
+            </a:pPr>
+            <a:r>
+              <a:rPr lang="en-US" dirty="0"/>
+              <a:t>		assertEquals(15, result);</a:t>
+            </a:r>
+          </a:p>
+          <a:p>
+            <a:pPr marL="0" indent="0">
+              <a:buNone/>
+            </a:pPr>
+            <a:r>
+              <a:rPr lang="en-US" dirty="0"/>
+              <a:t>	}</a:t>
+            </a:r>
+          </a:p>
+          <a:p>
+            <a:pPr marL="0" indent="0">
+              <a:buNone/>
+            </a:pPr>
+            <a:endParaRPr lang="en-US" dirty="0"/>
           </a:p>
           <a:p>
             <a:pPr marL="0" indent="0">
@@ -8068,6 +8469,7 @@
               <a:rPr lang="en-US" dirty="0"/>
               <a:t>}</a:t>
             </a:r>
+            <a:endParaRPr lang="en-US" dirty="0"/>
           </a:p>
           <a:p>
             <a:endParaRPr lang="en-US" dirty="0"/>
@@ -8116,8 +8518,8 @@
         </p:nvSpPr>
         <p:spPr>
           <a:xfrm>
-            <a:off x="646111" y="452718"/>
-            <a:ext cx="9404723" cy="1020482"/>
+            <a:off x="203200" y="215900"/>
+            <a:ext cx="9847635" cy="749300"/>
           </a:xfrm>
         </p:spPr>
         <p:txBody>
@@ -8125,8 +8527,8 @@
           <a:lstStyle/>
           <a:p>
             <a:r>
-              <a:rPr lang="en-US" b="1" dirty="0"/>
-              <a:t>Step 3 − Test the MathApplication class</a:t>
+              <a:rPr lang="en-US" dirty="0" smtClean="0"/>
+              <a:t>Notes:</a:t>
             </a:r>
             <a:endParaRPr lang="en-US" dirty="0"/>
           </a:p>
@@ -8144,8 +8546,8 @@
         </p:nvSpPr>
         <p:spPr>
           <a:xfrm>
-            <a:off x="646110" y="1968500"/>
-            <a:ext cx="10148889" cy="4279899"/>
+            <a:off x="114300" y="1193800"/>
+            <a:ext cx="11582400" cy="5003799"/>
           </a:xfrm>
         </p:spPr>
         <p:txBody>
@@ -8154,22 +8556,141 @@
           </a:bodyPr>
           <a:lstStyle/>
           <a:p>
+            <a:pPr marL="0" indent="0">
+              <a:buNone/>
+            </a:pPr>
+            <a:endParaRPr lang="en-US" sz="2800" dirty="0" smtClean="0"/>
+          </a:p>
+          <a:p>
+            <a:pPr marL="0" indent="0">
+              <a:buNone/>
+            </a:pPr>
+            <a:r>
+              <a:rPr lang="en-US" sz="2800" dirty="0" smtClean="0">
+                <a:solidFill>
+                  <a:schemeClr val="accent1">
+                    <a:lumMod val="40000"/>
+                    <a:lumOff val="60000"/>
+                  </a:schemeClr>
+                </a:solidFill>
+              </a:rPr>
+              <a:t>DataService </a:t>
+            </a:r>
+            <a:r>
+              <a:rPr lang="en-US" sz="2800" dirty="0">
+                <a:solidFill>
+                  <a:schemeClr val="accent1">
+                    <a:lumMod val="40000"/>
+                    <a:lumOff val="60000"/>
+                  </a:schemeClr>
+                </a:solidFill>
+              </a:rPr>
+              <a:t>dataServiceMock = mock(</a:t>
+            </a:r>
+            <a:r>
+              <a:rPr lang="en-US" sz="2800" dirty="0" err="1">
+                <a:solidFill>
+                  <a:schemeClr val="accent1">
+                    <a:lumMod val="40000"/>
+                    <a:lumOff val="60000"/>
+                  </a:schemeClr>
+                </a:solidFill>
+              </a:rPr>
+              <a:t>DataService.class</a:t>
+            </a:r>
+            <a:r>
+              <a:rPr lang="en-US" sz="2800" dirty="0" smtClean="0">
+                <a:solidFill>
+                  <a:schemeClr val="accent1">
+                    <a:lumMod val="40000"/>
+                    <a:lumOff val="60000"/>
+                  </a:schemeClr>
+                </a:solidFill>
+              </a:rPr>
+              <a:t>)</a:t>
+            </a:r>
+          </a:p>
+          <a:p>
+            <a:pPr marL="0" indent="0">
+              <a:buNone/>
+            </a:pPr>
+            <a:r>
+              <a:rPr lang="en-US" sz="2800" dirty="0" smtClean="0"/>
+              <a:t>- </a:t>
+            </a:r>
             <a:r>
               <a:rPr lang="en-US" sz="2800" dirty="0"/>
-              <a:t>Let's test the MathApplication class, by injecting in it a mock of calculatorService. Mock will be created by Mockito.</a:t>
-            </a:r>
-          </a:p>
-          <a:p>
-            <a:pPr marL="0" indent="0">
-              <a:buNone/>
-            </a:pPr>
+              <a:t>We are using the mock method to create a mock.</a:t>
+            </a:r>
+          </a:p>
+          <a:p>
+            <a:pPr marL="0" indent="0">
+              <a:buNone/>
+            </a:pPr>
+            <a:endParaRPr lang="en-US" sz="2800" dirty="0" smtClean="0"/>
+          </a:p>
+          <a:p>
+            <a:pPr marL="0" indent="0">
+              <a:buNone/>
+            </a:pPr>
+            <a:r>
+              <a:rPr lang="en-US" sz="2800" dirty="0" smtClean="0">
+                <a:solidFill>
+                  <a:schemeClr val="accent1">
+                    <a:lumMod val="40000"/>
+                    <a:lumOff val="60000"/>
+                  </a:schemeClr>
+                </a:solidFill>
+              </a:rPr>
+              <a:t>when(</a:t>
+            </a:r>
+            <a:r>
+              <a:rPr lang="en-US" sz="2800" dirty="0" err="1" smtClean="0">
+                <a:solidFill>
+                  <a:schemeClr val="accent1">
+                    <a:lumMod val="40000"/>
+                    <a:lumOff val="60000"/>
+                  </a:schemeClr>
+                </a:solidFill>
+              </a:rPr>
+              <a:t>dataServiceMock.retrieveAllData</a:t>
+            </a:r>
+            <a:r>
+              <a:rPr lang="en-US" sz="2800" dirty="0">
+                <a:solidFill>
+                  <a:schemeClr val="accent1">
+                    <a:lumMod val="40000"/>
+                    <a:lumOff val="60000"/>
+                  </a:schemeClr>
+                </a:solidFill>
+              </a:rPr>
+              <a:t>()).thenReturn(new int[] { 24, 15, 3 }) </a:t>
+            </a:r>
+            <a:endParaRPr lang="en-US" sz="2800" dirty="0" smtClean="0">
+              <a:solidFill>
+                <a:schemeClr val="accent1">
+                  <a:lumMod val="40000"/>
+                  <a:lumOff val="60000"/>
+                </a:schemeClr>
+              </a:solidFill>
+            </a:endParaRPr>
+          </a:p>
+          <a:p>
+            <a:pPr marL="0" indent="0">
+              <a:buNone/>
+            </a:pPr>
+            <a:r>
+              <a:rPr lang="en-US" sz="2800" dirty="0" smtClean="0"/>
+              <a:t>- </a:t>
+            </a:r>
             <a:r>
               <a:rPr lang="en-US" sz="2800" dirty="0"/>
-              <a:t/>
-            </a:r>
-            <a:br>
-              <a:rPr lang="en-US" sz="2800" dirty="0"/>
-            </a:br>
+              <a:t>stubbing the mock to return specific </a:t>
+            </a:r>
+            <a:r>
+              <a:rPr lang="en-US" sz="2800" dirty="0" smtClean="0"/>
+              <a:t>data.</a:t>
+            </a:r>
             <a:endParaRPr lang="en-US" sz="2800" dirty="0"/>
           </a:p>
         </p:txBody>
@@ -8206,7 +8727,7 @@
       </p:grpSpPr>
       <p:sp>
         <p:nvSpPr>
-          <p:cNvPr id="2" name="Title 1"/>
+          <p:cNvPr id="16" name="Title 15"/>
           <p:cNvSpPr>
             <a:spLocks noGrp="1"/>
           </p:cNvSpPr>
@@ -8216,8 +8737,8 @@
         </p:nvSpPr>
         <p:spPr>
           <a:xfrm>
-            <a:off x="330200" y="452718"/>
-            <a:ext cx="9720634" cy="855382"/>
+            <a:off x="0" y="452718"/>
+            <a:ext cx="11620500" cy="3039782"/>
           </a:xfrm>
         </p:spPr>
         <p:txBody>
@@ -8225,10 +8746,95 @@
           <a:lstStyle/>
           <a:p>
             <a:r>
-              <a:rPr lang="en-US" b="1" i="1" dirty="0"/>
-              <a:t>File: MathApplicationTester.java</a:t>
-            </a:r>
-            <a:endParaRPr lang="en-US" dirty="0"/>
+              <a:rPr lang="en-US" dirty="0">
+                <a:solidFill>
+                  <a:schemeClr val="accent1">
+                    <a:lumMod val="40000"/>
+                    <a:lumOff val="60000"/>
+                  </a:schemeClr>
+                </a:solidFill>
+              </a:rPr>
+              <a:t>Using</a:t>
+            </a:r>
+            <a:r>
+              <a:rPr lang="en-US" dirty="0"/>
+              <a:t> </a:t>
+            </a:r>
+            <a:r>
+              <a:rPr lang="en-US" dirty="0">
+                <a:solidFill>
+                  <a:schemeClr val="accent1">
+                    <a:lumMod val="40000"/>
+                    <a:lumOff val="60000"/>
+                  </a:schemeClr>
+                </a:solidFill>
+              </a:rPr>
+              <a:t>Mockito</a:t>
+            </a:r>
+            <a:r>
+              <a:rPr lang="en-US" dirty="0"/>
+              <a:t> </a:t>
+            </a:r>
+            <a:r>
+              <a:rPr lang="en-US" dirty="0">
+                <a:solidFill>
+                  <a:schemeClr val="accent1">
+                    <a:lumMod val="40000"/>
+                    <a:lumOff val="60000"/>
+                  </a:schemeClr>
+                </a:solidFill>
+              </a:rPr>
+              <a:t>Annotations</a:t>
+            </a:r>
+            <a:r>
+              <a:rPr lang="en-US" dirty="0"/>
+              <a:t> </a:t>
+            </a:r>
+            <a:r>
+              <a:rPr lang="en-US" dirty="0" smtClean="0"/>
+              <a:t>– </a:t>
+            </a:r>
+            <a:br>
+              <a:rPr lang="en-US" dirty="0" smtClean="0"/>
+            </a:br>
+            <a:r>
+              <a:rPr lang="en-US" dirty="0" smtClean="0"/>
+              <a:t/>
+            </a:r>
+            <a:br>
+              <a:rPr lang="en-US" dirty="0" smtClean="0"/>
+            </a:br>
+            <a:r>
+              <a:rPr lang="en-US" dirty="0" smtClean="0"/>
+              <a:t>@</a:t>
+            </a:r>
+            <a:r>
+              <a:rPr lang="en-US" dirty="0"/>
+              <a:t>Mock, </a:t>
+            </a:r>
+            <a:r>
+              <a:rPr lang="en-US" dirty="0" smtClean="0"/>
+              <a:t/>
+            </a:r>
+            <a:br>
+              <a:rPr lang="en-US" dirty="0" smtClean="0"/>
+            </a:br>
+            <a:r>
+              <a:rPr lang="en-US" dirty="0" smtClean="0"/>
+              <a:t>@</a:t>
+            </a:r>
+            <a:r>
+              <a:rPr lang="en-US" dirty="0"/>
+              <a:t>InjectMocks, @RunWith(</a:t>
+            </a:r>
+            <a:r>
+              <a:rPr lang="en-US" dirty="0" err="1"/>
+              <a:t>MockitoJUnitRunner.class</a:t>
+            </a:r>
+            <a:r>
+              <a:rPr lang="en-US" dirty="0"/>
+              <a:t>)</a:t>
+            </a:r>
           </a:p>
         </p:txBody>
       </p:sp>
@@ -8242,155 +8848,15 @@
             <p:ph idx="1"/>
           </p:nvPr>
         </p:nvSpPr>
-        <p:spPr>
-          <a:xfrm>
-            <a:off x="330200" y="1193800"/>
-            <a:ext cx="9944100" cy="5054599"/>
-          </a:xfrm>
-        </p:spPr>
-        <p:txBody>
-          <a:bodyPr>
-            <a:normAutofit fontScale="70000" lnSpcReduction="20000"/>
-          </a:bodyPr>
+        <p:spPr/>
+        <p:txBody>
+          <a:bodyPr/>
           <a:lstStyle/>
           <a:p>
-            <a:pPr marL="0" indent="0">
-              <a:buNone/>
-            </a:pPr>
-            <a:r>
-              <a:rPr lang="en-US" sz="2600" dirty="0"/>
-              <a:t>import static org.mockito.Mockito.when;</a:t>
-            </a:r>
-          </a:p>
-          <a:p>
-            <a:endParaRPr lang="en-US" sz="2900" dirty="0"/>
-          </a:p>
-          <a:p>
-            <a:pPr marL="0" indent="0">
-              <a:buNone/>
-            </a:pPr>
-            <a:r>
-              <a:rPr lang="en-US" sz="2600" dirty="0"/>
-              <a:t>import org.junit.Assert;</a:t>
-            </a:r>
-          </a:p>
-          <a:p>
-            <a:pPr marL="0" indent="0">
-              <a:buNone/>
-            </a:pPr>
-            <a:r>
-              <a:rPr lang="en-US" sz="2600" dirty="0"/>
-              <a:t>import org.junit.Test;</a:t>
-            </a:r>
-          </a:p>
-          <a:p>
-            <a:pPr marL="0" indent="0">
-              <a:buNone/>
-            </a:pPr>
-            <a:r>
-              <a:rPr lang="en-US" sz="2600" dirty="0"/>
-              <a:t>import org.junit.runner.RunWith;</a:t>
-            </a:r>
-          </a:p>
-          <a:p>
-            <a:pPr marL="0" indent="0">
-              <a:buNone/>
-            </a:pPr>
-            <a:r>
-              <a:rPr lang="en-US" sz="2600" dirty="0"/>
-              <a:t>import org.mockito.InjectMocks;</a:t>
-            </a:r>
-          </a:p>
-          <a:p>
-            <a:pPr marL="0" indent="0">
-              <a:buNone/>
-            </a:pPr>
-            <a:r>
-              <a:rPr lang="en-US" sz="2600" dirty="0"/>
-              <a:t>import org.mockito.Mock;</a:t>
-            </a:r>
-          </a:p>
-          <a:p>
-            <a:pPr marL="0" indent="0">
-              <a:buNone/>
-            </a:pPr>
-            <a:r>
-              <a:rPr lang="en-US" sz="2600" dirty="0"/>
-              <a:t>import org.mockito.runners.MockitoJUnitRunner;</a:t>
-            </a:r>
-          </a:p>
-          <a:p>
-            <a:endParaRPr lang="en-US" sz="2600" dirty="0"/>
-          </a:p>
-          <a:p>
-            <a:pPr marL="0" indent="0">
-              <a:buNone/>
-            </a:pPr>
-            <a:r>
-              <a:rPr lang="en-US" sz="2600" dirty="0"/>
-              <a:t>// @RunWith attaches a runner with the test class to initialize the test data</a:t>
-            </a:r>
-          </a:p>
-          <a:p>
-            <a:pPr marL="0" indent="0">
-              <a:buNone/>
-            </a:pPr>
-            <a:r>
-              <a:rPr lang="en-US" sz="2600" dirty="0"/>
-              <a:t>@RunWith(</a:t>
-            </a:r>
-            <a:r>
-              <a:rPr lang="en-US" sz="2600" dirty="0" err="1"/>
-              <a:t>MockitoJUnitRunner.class</a:t>
-            </a:r>
-            <a:r>
-              <a:rPr lang="en-US" sz="2600" dirty="0"/>
-              <a:t>)</a:t>
-            </a:r>
-          </a:p>
-          <a:p>
-            <a:pPr marL="0" indent="0">
-              <a:buNone/>
-            </a:pPr>
-            <a:r>
-              <a:rPr lang="en-US" sz="2600" dirty="0"/>
-              <a:t>public class </a:t>
-            </a:r>
-            <a:r>
-              <a:rPr lang="en-US" sz="2600" dirty="0" smtClean="0"/>
-              <a:t>MathApplicationTester</a:t>
-            </a:r>
-          </a:p>
-          <a:p>
-            <a:pPr marL="0" indent="0">
-              <a:buNone/>
-            </a:pPr>
-            <a:r>
-              <a:rPr lang="en-US" sz="2600" dirty="0" smtClean="0"/>
-              <a:t> </a:t>
-            </a:r>
-            <a:r>
-              <a:rPr lang="en-US" sz="2600" dirty="0"/>
-              <a:t>{</a:t>
-            </a:r>
-          </a:p>
-          <a:p>
-            <a:pPr marL="0" indent="0">
-              <a:buNone/>
-            </a:pPr>
-            <a:r>
-              <a:rPr lang="en-US" sz="2600" dirty="0"/>
-              <a:t>	</a:t>
-            </a:r>
-          </a:p>
-          <a:p>
-            <a:pPr marL="0" indent="0">
-              <a:buNone/>
-            </a:pPr>
-            <a:endParaRPr lang="en-US" sz="2600" dirty="0"/>
-          </a:p>
-          <a:p>
-            <a:endParaRPr lang="en-US" dirty="0"/>
+            <a:endParaRPr lang="en-US" dirty="0" smtClean="0"/>
+          </a:p>
+          <a:p>
+            <a:endParaRPr lang="en-US" dirty="0" smtClean="0"/>
           </a:p>
           <a:p>
             <a:endParaRPr lang="en-US" dirty="0"/>
